--- a/Documentacion/Resumen_Proyecto.pptx
+++ b/Documentacion/Resumen_Proyecto.pptx
@@ -302,7 +302,6 @@
 <file path=ppt/revisionInfo.xml><?xml version="1.0" encoding="utf-8"?>
 <p1510:revInfo xmlns:a="http://schemas.openxmlformats.org/drawingml/2006/main" xmlns:r="http://schemas.openxmlformats.org/officeDocument/2006/relationships" xmlns:p1510="http://schemas.microsoft.com/office/powerpoint/2015/10/main">
   <p1510:revLst>
-    <p1510:client id="{97E500B9-40A3-490F-949E-E8FE3E56DB41}" v="22" dt="2024-06-16T21:35:10.579"/>
     <p1510:client id="{E943E5C1-95CE-486C-92D7-129C80AE65D4}" v="99" dt="2024-06-17T21:17:46.354"/>
   </p1510:revLst>
 </p1510:revInfo>
@@ -384,10 +383,25 @@
   <pc:docChgLst>
     <pc:chgData name="Anxo Casal Rodriguez" userId="4252bde8-bc8f-41dd-83f3-a4e65c95fbdf" providerId="ADAL" clId="{E943E5C1-95CE-486C-92D7-129C80AE65D4}"/>
     <pc:docChg chg="undo redo custSel addSld delSld modSld sldOrd delMainMaster">
-      <pc:chgData name="Anxo Casal Rodriguez" userId="4252bde8-bc8f-41dd-83f3-a4e65c95fbdf" providerId="ADAL" clId="{E943E5C1-95CE-486C-92D7-129C80AE65D4}" dt="2024-06-17T21:29:54.805" v="3599" actId="1076"/>
+      <pc:chgData name="Anxo Casal Rodriguez" userId="4252bde8-bc8f-41dd-83f3-a4e65c95fbdf" providerId="ADAL" clId="{E943E5C1-95CE-486C-92D7-129C80AE65D4}" dt="2024-06-17T22:12:52.960" v="3659" actId="1038"/>
       <pc:docMkLst>
         <pc:docMk/>
       </pc:docMkLst>
+      <pc:sldChg chg="modSp mod">
+        <pc:chgData name="Anxo Casal Rodriguez" userId="4252bde8-bc8f-41dd-83f3-a4e65c95fbdf" providerId="ADAL" clId="{E943E5C1-95CE-486C-92D7-129C80AE65D4}" dt="2024-06-17T22:09:34.161" v="3604" actId="1076"/>
+        <pc:sldMkLst>
+          <pc:docMk/>
+          <pc:sldMk cId="0" sldId="256"/>
+        </pc:sldMkLst>
+        <pc:grpChg chg="mod">
+          <ac:chgData name="Anxo Casal Rodriguez" userId="4252bde8-bc8f-41dd-83f3-a4e65c95fbdf" providerId="ADAL" clId="{E943E5C1-95CE-486C-92D7-129C80AE65D4}" dt="2024-06-17T22:09:34.161" v="3604" actId="1076"/>
+          <ac:grpSpMkLst>
+            <pc:docMk/>
+            <pc:sldMk cId="0" sldId="256"/>
+            <ac:grpSpMk id="161" creationId="{00000000-0000-0000-0000-000000000000}"/>
+          </ac:grpSpMkLst>
+        </pc:grpChg>
+      </pc:sldChg>
       <pc:sldChg chg="modSp mod">
         <pc:chgData name="Anxo Casal Rodriguez" userId="4252bde8-bc8f-41dd-83f3-a4e65c95fbdf" providerId="ADAL" clId="{E943E5C1-95CE-486C-92D7-129C80AE65D4}" dt="2024-06-17T00:00:06.468" v="3" actId="20577"/>
         <pc:sldMkLst>
@@ -1144,7 +1158,7 @@
         </pc:spChg>
       </pc:sldChg>
       <pc:sldChg chg="addSp delSp modSp add mod">
-        <pc:chgData name="Anxo Casal Rodriguez" userId="4252bde8-bc8f-41dd-83f3-a4e65c95fbdf" providerId="ADAL" clId="{E943E5C1-95CE-486C-92D7-129C80AE65D4}" dt="2024-06-17T21:29:54.805" v="3599" actId="1076"/>
+        <pc:chgData name="Anxo Casal Rodriguez" userId="4252bde8-bc8f-41dd-83f3-a4e65c95fbdf" providerId="ADAL" clId="{E943E5C1-95CE-486C-92D7-129C80AE65D4}" dt="2024-06-17T22:12:52.960" v="3659" actId="1038"/>
         <pc:sldMkLst>
           <pc:docMk/>
           <pc:sldMk cId="2446339325" sldId="277"/>
@@ -1182,7 +1196,7 @@
           </ac:spMkLst>
         </pc:spChg>
         <pc:spChg chg="add mod">
-          <ac:chgData name="Anxo Casal Rodriguez" userId="4252bde8-bc8f-41dd-83f3-a4e65c95fbdf" providerId="ADAL" clId="{E943E5C1-95CE-486C-92D7-129C80AE65D4}" dt="2024-06-17T21:17:33.682" v="3557" actId="20577"/>
+          <ac:chgData name="Anxo Casal Rodriguez" userId="4252bde8-bc8f-41dd-83f3-a4e65c95fbdf" providerId="ADAL" clId="{E943E5C1-95CE-486C-92D7-129C80AE65D4}" dt="2024-06-17T22:12:47.349" v="3640" actId="1037"/>
           <ac:spMkLst>
             <pc:docMk/>
             <pc:sldMk cId="2446339325" sldId="277"/>
@@ -1190,7 +1204,7 @@
           </ac:spMkLst>
         </pc:spChg>
         <pc:spChg chg="add mod">
-          <ac:chgData name="Anxo Casal Rodriguez" userId="4252bde8-bc8f-41dd-83f3-a4e65c95fbdf" providerId="ADAL" clId="{E943E5C1-95CE-486C-92D7-129C80AE65D4}" dt="2024-06-17T21:14:53.600" v="3532" actId="20577"/>
+          <ac:chgData name="Anxo Casal Rodriguez" userId="4252bde8-bc8f-41dd-83f3-a4e65c95fbdf" providerId="ADAL" clId="{E943E5C1-95CE-486C-92D7-129C80AE65D4}" dt="2024-06-17T22:12:47.349" v="3640" actId="1037"/>
           <ac:spMkLst>
             <pc:docMk/>
             <pc:sldMk cId="2446339325" sldId="277"/>
@@ -1214,7 +1228,7 @@
           </ac:spMkLst>
         </pc:spChg>
         <pc:spChg chg="add del mod">
-          <ac:chgData name="Anxo Casal Rodriguez" userId="4252bde8-bc8f-41dd-83f3-a4e65c95fbdf" providerId="ADAL" clId="{E943E5C1-95CE-486C-92D7-129C80AE65D4}" dt="2024-06-17T21:12:49.397" v="3518" actId="1076"/>
+          <ac:chgData name="Anxo Casal Rodriguez" userId="4252bde8-bc8f-41dd-83f3-a4e65c95fbdf" providerId="ADAL" clId="{E943E5C1-95CE-486C-92D7-129C80AE65D4}" dt="2024-06-17T22:12:52.960" v="3659" actId="1038"/>
           <ac:spMkLst>
             <pc:docMk/>
             <pc:sldMk cId="2446339325" sldId="277"/>
@@ -1222,7 +1236,7 @@
           </ac:spMkLst>
         </pc:spChg>
         <pc:spChg chg="add mod">
-          <ac:chgData name="Anxo Casal Rodriguez" userId="4252bde8-bc8f-41dd-83f3-a4e65c95fbdf" providerId="ADAL" clId="{E943E5C1-95CE-486C-92D7-129C80AE65D4}" dt="2024-06-17T21:12:49.397" v="3518" actId="1076"/>
+          <ac:chgData name="Anxo Casal Rodriguez" userId="4252bde8-bc8f-41dd-83f3-a4e65c95fbdf" providerId="ADAL" clId="{E943E5C1-95CE-486C-92D7-129C80AE65D4}" dt="2024-06-17T22:12:52.960" v="3659" actId="1038"/>
           <ac:spMkLst>
             <pc:docMk/>
             <pc:sldMk cId="2446339325" sldId="277"/>
@@ -1422,7 +1436,7 @@
           </ac:picMkLst>
         </pc:picChg>
         <pc:picChg chg="add mod">
-          <ac:chgData name="Anxo Casal Rodriguez" userId="4252bde8-bc8f-41dd-83f3-a4e65c95fbdf" providerId="ADAL" clId="{E943E5C1-95CE-486C-92D7-129C80AE65D4}" dt="2024-06-17T21:29:37.128" v="3594" actId="14100"/>
+          <ac:chgData name="Anxo Casal Rodriguez" userId="4252bde8-bc8f-41dd-83f3-a4e65c95fbdf" providerId="ADAL" clId="{E943E5C1-95CE-486C-92D7-129C80AE65D4}" dt="2024-06-17T22:12:52.960" v="3659" actId="1038"/>
           <ac:picMkLst>
             <pc:docMk/>
             <pc:sldMk cId="2446339325" sldId="277"/>
@@ -1430,7 +1444,7 @@
           </ac:picMkLst>
         </pc:picChg>
         <pc:picChg chg="add mod">
-          <ac:chgData name="Anxo Casal Rodriguez" userId="4252bde8-bc8f-41dd-83f3-a4e65c95fbdf" providerId="ADAL" clId="{E943E5C1-95CE-486C-92D7-129C80AE65D4}" dt="2024-06-17T21:29:54.805" v="3599" actId="1076"/>
+          <ac:chgData name="Anxo Casal Rodriguez" userId="4252bde8-bc8f-41dd-83f3-a4e65c95fbdf" providerId="ADAL" clId="{E943E5C1-95CE-486C-92D7-129C80AE65D4}" dt="2024-06-17T22:12:47.349" v="3640" actId="1037"/>
           <ac:picMkLst>
             <pc:docMk/>
             <pc:sldMk cId="2446339325" sldId="277"/>
@@ -1714,7 +1728,7 @@
         </pc:sldMkLst>
       </pc:sldChg>
       <pc:sldChg chg="addSp delSp modSp add del mod chgLayout">
-        <pc:chgData name="Anxo Casal Rodriguez" userId="4252bde8-bc8f-41dd-83f3-a4e65c95fbdf" providerId="ADAL" clId="{E943E5C1-95CE-486C-92D7-129C80AE65D4}" dt="2024-06-17T18:22:06.126" v="3127" actId="1035"/>
+        <pc:chgData name="Anxo Casal Rodriguez" userId="4252bde8-bc8f-41dd-83f3-a4e65c95fbdf" providerId="ADAL" clId="{E943E5C1-95CE-486C-92D7-129C80AE65D4}" dt="2024-06-17T22:11:44.265" v="3616" actId="20577"/>
         <pc:sldMkLst>
           <pc:docMk/>
           <pc:sldMk cId="0" sldId="288"/>
@@ -1992,7 +2006,7 @@
           </ac:spMkLst>
         </pc:spChg>
         <pc:spChg chg="mod ord">
-          <ac:chgData name="Anxo Casal Rodriguez" userId="4252bde8-bc8f-41dd-83f3-a4e65c95fbdf" providerId="ADAL" clId="{E943E5C1-95CE-486C-92D7-129C80AE65D4}" dt="2024-06-17T16:33:30.865" v="2671" actId="6264"/>
+          <ac:chgData name="Anxo Casal Rodriguez" userId="4252bde8-bc8f-41dd-83f3-a4e65c95fbdf" providerId="ADAL" clId="{E943E5C1-95CE-486C-92D7-129C80AE65D4}" dt="2024-06-17T22:11:44.265" v="3616" actId="20577"/>
           <ac:spMkLst>
             <pc:docMk/>
             <pc:sldMk cId="0" sldId="288"/>
@@ -2168,13 +2182,6 @@
           </ac:cxnSpMkLst>
         </pc:cxnChg>
       </pc:sldChg>
-      <pc:sldChg chg="del">
-        <pc:chgData name="Anxo Casal Rodriguez" userId="4252bde8-bc8f-41dd-83f3-a4e65c95fbdf" providerId="ADAL" clId="{E943E5C1-95CE-486C-92D7-129C80AE65D4}" dt="2024-06-17T01:15:56.026" v="710" actId="47"/>
-        <pc:sldMkLst>
-          <pc:docMk/>
-          <pc:sldMk cId="0" sldId="289"/>
-        </pc:sldMkLst>
-      </pc:sldChg>
       <pc:sldChg chg="addSp delSp modSp add mod">
         <pc:chgData name="Anxo Casal Rodriguez" userId="4252bde8-bc8f-41dd-83f3-a4e65c95fbdf" providerId="ADAL" clId="{E943E5C1-95CE-486C-92D7-129C80AE65D4}" dt="2024-06-17T21:18:14.781" v="3587" actId="20577"/>
         <pc:sldMkLst>
@@ -2237,6 +2244,13 @@
             <ac:picMk id="13" creationId="{4971FCB0-CE09-4270-FD22-ADFA3B160D6A}"/>
           </ac:picMkLst>
         </pc:picChg>
+      </pc:sldChg>
+      <pc:sldChg chg="del">
+        <pc:chgData name="Anxo Casal Rodriguez" userId="4252bde8-bc8f-41dd-83f3-a4e65c95fbdf" providerId="ADAL" clId="{E943E5C1-95CE-486C-92D7-129C80AE65D4}" dt="2024-06-17T01:15:56.026" v="710" actId="47"/>
+        <pc:sldMkLst>
+          <pc:docMk/>
+          <pc:sldMk cId="999435183" sldId="289"/>
+        </pc:sldMkLst>
       </pc:sldChg>
       <pc:sldChg chg="addSp delSp modSp add del mod">
         <pc:chgData name="Anxo Casal Rodriguez" userId="4252bde8-bc8f-41dd-83f3-a4e65c95fbdf" providerId="ADAL" clId="{E943E5C1-95CE-486C-92D7-129C80AE65D4}" dt="2024-06-17T16:05:40.452" v="2200" actId="47"/>
@@ -12647,8 +12661,8 @@
         </p:nvGrpSpPr>
         <p:grpSpPr>
           <a:xfrm>
-            <a:off x="196269" y="-35131"/>
-            <a:ext cx="4117010" cy="5284424"/>
+            <a:off x="293350" y="202687"/>
+            <a:ext cx="3769500" cy="4838375"/>
             <a:chOff x="196269" y="-35131"/>
             <a:chExt cx="4117010" cy="5284424"/>
           </a:xfrm>
@@ -25293,7 +25307,7 @@
         </p:nvSpPr>
         <p:spPr>
           <a:xfrm>
-            <a:off x="626625" y="1348255"/>
+            <a:off x="793294" y="1346543"/>
             <a:ext cx="3350239" cy="1149900"/>
           </a:xfrm>
         </p:spPr>
@@ -25361,7 +25375,7 @@
         </p:nvSpPr>
         <p:spPr>
           <a:xfrm>
-            <a:off x="1232066" y="859984"/>
+            <a:off x="1361414" y="859984"/>
             <a:ext cx="2214000" cy="539700"/>
           </a:xfrm>
         </p:spPr>
@@ -25393,7 +25407,7 @@
         </p:nvSpPr>
         <p:spPr>
           <a:xfrm>
-            <a:off x="5035505" y="1366146"/>
+            <a:off x="4776801" y="1366146"/>
             <a:ext cx="3350239" cy="1149900"/>
           </a:xfrm>
           <a:prstGeom prst="rect">
@@ -25705,7 +25719,7 @@
         </p:nvSpPr>
         <p:spPr>
           <a:xfrm>
-            <a:off x="5640946" y="877875"/>
+            <a:off x="5344920" y="877875"/>
             <a:ext cx="2214000" cy="539700"/>
           </a:xfrm>
           <a:prstGeom prst="rect">
@@ -25998,7 +26012,7 @@
         </p:blipFill>
         <p:spPr>
           <a:xfrm>
-            <a:off x="758256" y="2516046"/>
+            <a:off x="1110832" y="2505695"/>
             <a:ext cx="2715162" cy="2383660"/>
           </a:xfrm>
           <a:prstGeom prst="rect">
@@ -26028,7 +26042,7 @@
         </p:blipFill>
         <p:spPr>
           <a:xfrm>
-            <a:off x="5390365" y="2516046"/>
+            <a:off x="5094339" y="2516046"/>
             <a:ext cx="2715162" cy="2383660"/>
           </a:xfrm>
           <a:prstGeom prst="rect">
@@ -48909,7 +48923,7 @@
             <a:pPr lvl="0"/>
             <a:r>
               <a:rPr lang="es-ES"/>
-              <a:t>BALANCE SHEET</a:t>
+              <a:t>Pre Entreno</a:t>
             </a:r>
           </a:p>
         </p:txBody>

--- a/Documentacion/Resumen_Proyecto.pptx
+++ b/Documentacion/Resumen_Proyecto.pptx
@@ -2182,8 +2182,8 @@
           </ac:cxnSpMkLst>
         </pc:cxnChg>
       </pc:sldChg>
-      <pc:sldChg chg="addSp delSp modSp add mod">
-        <pc:chgData name="Anxo Casal Rodriguez" userId="4252bde8-bc8f-41dd-83f3-a4e65c95fbdf" providerId="ADAL" clId="{E943E5C1-95CE-486C-92D7-129C80AE65D4}" dt="2024-06-17T21:18:14.781" v="3587" actId="20577"/>
+      <pc:sldChg chg="del">
+        <pc:chgData name="Anxo Casal Rodriguez" userId="4252bde8-bc8f-41dd-83f3-a4e65c95fbdf" providerId="ADAL" clId="{E943E5C1-95CE-486C-92D7-129C80AE65D4}" dt="2024-06-17T01:15:56.026" v="710" actId="47"/>
         <pc:sldMkLst>
           <pc:docMk/>
           <pc:sldMk cId="999435183" sldId="289"/>
@@ -2244,13 +2244,6 @@
             <ac:picMk id="13" creationId="{4971FCB0-CE09-4270-FD22-ADFA3B160D6A}"/>
           </ac:picMkLst>
         </pc:picChg>
-      </pc:sldChg>
-      <pc:sldChg chg="del">
-        <pc:chgData name="Anxo Casal Rodriguez" userId="4252bde8-bc8f-41dd-83f3-a4e65c95fbdf" providerId="ADAL" clId="{E943E5C1-95CE-486C-92D7-129C80AE65D4}" dt="2024-06-17T01:15:56.026" v="710" actId="47"/>
-        <pc:sldMkLst>
-          <pc:docMk/>
-          <pc:sldMk cId="999435183" sldId="289"/>
-        </pc:sldMkLst>
       </pc:sldChg>
       <pc:sldChg chg="addSp delSp modSp add del mod">
         <pc:chgData name="Anxo Casal Rodriguez" userId="4252bde8-bc8f-41dd-83f3-a4e65c95fbdf" providerId="ADAL" clId="{E943E5C1-95CE-486C-92D7-129C80AE65D4}" dt="2024-06-17T16:05:40.452" v="2200" actId="47"/>
@@ -26116,7 +26109,7 @@
             </a:pPr>
             <a:r>
               <a:rPr lang="en" dirty="0"/>
-              <a:t>Modelos</a:t>
+              <a:t>Residual Neural Network</a:t>
             </a:r>
             <a:endParaRPr dirty="0"/>
           </a:p>
@@ -26140,7 +26133,7 @@
         </p:nvSpPr>
         <p:spPr>
           <a:xfrm>
-            <a:off x="1232066" y="859984"/>
+            <a:off x="706208" y="871148"/>
             <a:ext cx="2214000" cy="539700"/>
           </a:xfrm>
         </p:spPr>
@@ -26149,13 +26142,963 @@
           <a:lstStyle/>
           <a:p>
             <a:r>
-              <a:rPr lang="es-ES"/>
-              <a:t>Residual LNN</a:t>
+              <a:rPr lang="es-ES" dirty="0"/>
+              <a:t>Resultados</a:t>
             </a:r>
+          </a:p>
+        </p:txBody>
+      </p:sp>
+      <p:sp>
+        <p:nvSpPr>
+          <p:cNvPr id="3" name="Marcador de texto 22">
+            <a:extLst>
+              <a:ext uri="{FF2B5EF4-FFF2-40B4-BE49-F238E27FC236}">
+                <a16:creationId xmlns:a16="http://schemas.microsoft.com/office/drawing/2014/main" id="{3CAD8DC7-01B7-8AC1-F0D2-78D3CCE77581}"/>
+              </a:ext>
+            </a:extLst>
+          </p:cNvPr>
+          <p:cNvSpPr txBox="1">
+            <a:spLocks/>
+          </p:cNvSpPr>
+          <p:nvPr/>
+        </p:nvSpPr>
+        <p:spPr>
+          <a:xfrm>
+            <a:off x="793294" y="1501989"/>
+            <a:ext cx="7884969" cy="3266811"/>
+          </a:xfrm>
+          <a:prstGeom prst="rect">
+            <a:avLst/>
+          </a:prstGeom>
+          <a:noFill/>
+          <a:ln>
+            <a:noFill/>
+          </a:ln>
+        </p:spPr>
+        <p:txBody>
+          <a:bodyPr spcFirstLastPara="1" wrap="square" lIns="91425" tIns="91425" rIns="91425" bIns="91425" anchor="t" anchorCtr="0">
+            <a:noAutofit/>
+          </a:bodyPr>
+          <a:lstStyle>
+            <a:defPPr marR="0" lvl="0" algn="l" rtl="0">
+              <a:lnSpc>
+                <a:spcPct val="100000"/>
+              </a:lnSpc>
+              <a:spcBef>
+                <a:spcPts val="0"/>
+              </a:spcBef>
+              <a:spcAft>
+                <a:spcPts val="0"/>
+              </a:spcAft>
+            </a:defPPr>
+            <a:lvl1pPr marL="457200" marR="0" lvl="0" indent="-317500" algn="ctr" rtl="0">
+              <a:lnSpc>
+                <a:spcPct val="100000"/>
+              </a:lnSpc>
+              <a:spcBef>
+                <a:spcPts val="0"/>
+              </a:spcBef>
+              <a:spcAft>
+                <a:spcPts val="0"/>
+              </a:spcAft>
+              <a:buClr>
+                <a:schemeClr val="lt2"/>
+              </a:buClr>
+              <a:buSzPts val="1400"/>
+              <a:buFont typeface="DM Sans"/>
+              <a:buChar char="●"/>
+              <a:defRPr sz="1400" b="0" i="0" u="none" strike="noStrike" cap="none">
+                <a:solidFill>
+                  <a:schemeClr val="lt2"/>
+                </a:solidFill>
+                <a:latin typeface="DM Sans"/>
+                <a:ea typeface="DM Sans"/>
+                <a:cs typeface="DM Sans"/>
+                <a:sym typeface="DM Sans"/>
+              </a:defRPr>
+            </a:lvl1pPr>
+            <a:lvl2pPr marL="914400" marR="0" lvl="1" indent="-317500" algn="ctr" rtl="0">
+              <a:lnSpc>
+                <a:spcPct val="100000"/>
+              </a:lnSpc>
+              <a:spcBef>
+                <a:spcPts val="1600"/>
+              </a:spcBef>
+              <a:spcAft>
+                <a:spcPts val="0"/>
+              </a:spcAft>
+              <a:buClr>
+                <a:schemeClr val="lt2"/>
+              </a:buClr>
+              <a:buSzPts val="1400"/>
+              <a:buFont typeface="DM Sans"/>
+              <a:buChar char="○"/>
+              <a:defRPr sz="1400" b="0" i="0" u="none" strike="noStrike" cap="none">
+                <a:solidFill>
+                  <a:schemeClr val="lt2"/>
+                </a:solidFill>
+                <a:latin typeface="DM Sans"/>
+                <a:ea typeface="DM Sans"/>
+                <a:cs typeface="DM Sans"/>
+                <a:sym typeface="DM Sans"/>
+              </a:defRPr>
+            </a:lvl2pPr>
+            <a:lvl3pPr marL="1371600" marR="0" lvl="2" indent="-317500" algn="ctr" rtl="0">
+              <a:lnSpc>
+                <a:spcPct val="100000"/>
+              </a:lnSpc>
+              <a:spcBef>
+                <a:spcPts val="1600"/>
+              </a:spcBef>
+              <a:spcAft>
+                <a:spcPts val="0"/>
+              </a:spcAft>
+              <a:buClr>
+                <a:schemeClr val="lt2"/>
+              </a:buClr>
+              <a:buSzPts val="1400"/>
+              <a:buFont typeface="DM Sans"/>
+              <a:buChar char="■"/>
+              <a:defRPr sz="1400" b="0" i="0" u="none" strike="noStrike" cap="none">
+                <a:solidFill>
+                  <a:schemeClr val="lt2"/>
+                </a:solidFill>
+                <a:latin typeface="DM Sans"/>
+                <a:ea typeface="DM Sans"/>
+                <a:cs typeface="DM Sans"/>
+                <a:sym typeface="DM Sans"/>
+              </a:defRPr>
+            </a:lvl3pPr>
+            <a:lvl4pPr marL="1828800" marR="0" lvl="3" indent="-317500" algn="ctr" rtl="0">
+              <a:lnSpc>
+                <a:spcPct val="100000"/>
+              </a:lnSpc>
+              <a:spcBef>
+                <a:spcPts val="1600"/>
+              </a:spcBef>
+              <a:spcAft>
+                <a:spcPts val="0"/>
+              </a:spcAft>
+              <a:buClr>
+                <a:schemeClr val="lt2"/>
+              </a:buClr>
+              <a:buSzPts val="1400"/>
+              <a:buFont typeface="DM Sans"/>
+              <a:buChar char="●"/>
+              <a:defRPr sz="1400" b="0" i="0" u="none" strike="noStrike" cap="none">
+                <a:solidFill>
+                  <a:schemeClr val="lt2"/>
+                </a:solidFill>
+                <a:latin typeface="DM Sans"/>
+                <a:ea typeface="DM Sans"/>
+                <a:cs typeface="DM Sans"/>
+                <a:sym typeface="DM Sans"/>
+              </a:defRPr>
+            </a:lvl4pPr>
+            <a:lvl5pPr marL="2286000" marR="0" lvl="4" indent="-317500" algn="ctr" rtl="0">
+              <a:lnSpc>
+                <a:spcPct val="100000"/>
+              </a:lnSpc>
+              <a:spcBef>
+                <a:spcPts val="1600"/>
+              </a:spcBef>
+              <a:spcAft>
+                <a:spcPts val="0"/>
+              </a:spcAft>
+              <a:buClr>
+                <a:schemeClr val="lt2"/>
+              </a:buClr>
+              <a:buSzPts val="1400"/>
+              <a:buFont typeface="DM Sans"/>
+              <a:buChar char="○"/>
+              <a:defRPr sz="1400" b="0" i="0" u="none" strike="noStrike" cap="none">
+                <a:solidFill>
+                  <a:schemeClr val="lt2"/>
+                </a:solidFill>
+                <a:latin typeface="DM Sans"/>
+                <a:ea typeface="DM Sans"/>
+                <a:cs typeface="DM Sans"/>
+                <a:sym typeface="DM Sans"/>
+              </a:defRPr>
+            </a:lvl5pPr>
+            <a:lvl6pPr marL="2743200" marR="0" lvl="5" indent="-317500" algn="ctr" rtl="0">
+              <a:lnSpc>
+                <a:spcPct val="100000"/>
+              </a:lnSpc>
+              <a:spcBef>
+                <a:spcPts val="1600"/>
+              </a:spcBef>
+              <a:spcAft>
+                <a:spcPts val="0"/>
+              </a:spcAft>
+              <a:buClr>
+                <a:schemeClr val="lt2"/>
+              </a:buClr>
+              <a:buSzPts val="1400"/>
+              <a:buFont typeface="DM Sans"/>
+              <a:buChar char="■"/>
+              <a:defRPr sz="1400" b="0" i="0" u="none" strike="noStrike" cap="none">
+                <a:solidFill>
+                  <a:schemeClr val="lt2"/>
+                </a:solidFill>
+                <a:latin typeface="DM Sans"/>
+                <a:ea typeface="DM Sans"/>
+                <a:cs typeface="DM Sans"/>
+                <a:sym typeface="DM Sans"/>
+              </a:defRPr>
+            </a:lvl6pPr>
+            <a:lvl7pPr marL="3200400" marR="0" lvl="6" indent="-317500" algn="ctr" rtl="0">
+              <a:lnSpc>
+                <a:spcPct val="100000"/>
+              </a:lnSpc>
+              <a:spcBef>
+                <a:spcPts val="1600"/>
+              </a:spcBef>
+              <a:spcAft>
+                <a:spcPts val="0"/>
+              </a:spcAft>
+              <a:buClr>
+                <a:schemeClr val="lt2"/>
+              </a:buClr>
+              <a:buSzPts val="1400"/>
+              <a:buFont typeface="DM Sans"/>
+              <a:buChar char="●"/>
+              <a:defRPr sz="1400" b="0" i="0" u="none" strike="noStrike" cap="none">
+                <a:solidFill>
+                  <a:schemeClr val="lt2"/>
+                </a:solidFill>
+                <a:latin typeface="DM Sans"/>
+                <a:ea typeface="DM Sans"/>
+                <a:cs typeface="DM Sans"/>
+                <a:sym typeface="DM Sans"/>
+              </a:defRPr>
+            </a:lvl7pPr>
+            <a:lvl8pPr marL="3657600" marR="0" lvl="7" indent="-317500" algn="ctr" rtl="0">
+              <a:lnSpc>
+                <a:spcPct val="100000"/>
+              </a:lnSpc>
+              <a:spcBef>
+                <a:spcPts val="1600"/>
+              </a:spcBef>
+              <a:spcAft>
+                <a:spcPts val="0"/>
+              </a:spcAft>
+              <a:buClr>
+                <a:schemeClr val="lt2"/>
+              </a:buClr>
+              <a:buSzPts val="1400"/>
+              <a:buFont typeface="DM Sans"/>
+              <a:buChar char="○"/>
+              <a:defRPr sz="1400" b="0" i="0" u="none" strike="noStrike" cap="none">
+                <a:solidFill>
+                  <a:schemeClr val="lt2"/>
+                </a:solidFill>
+                <a:latin typeface="DM Sans"/>
+                <a:ea typeface="DM Sans"/>
+                <a:cs typeface="DM Sans"/>
+                <a:sym typeface="DM Sans"/>
+              </a:defRPr>
+            </a:lvl8pPr>
+            <a:lvl9pPr marL="4114800" marR="0" lvl="8" indent="-317500" algn="ctr" rtl="0">
+              <a:lnSpc>
+                <a:spcPct val="100000"/>
+              </a:lnSpc>
+              <a:spcBef>
+                <a:spcPts val="1600"/>
+              </a:spcBef>
+              <a:spcAft>
+                <a:spcPts val="1600"/>
+              </a:spcAft>
+              <a:buClr>
+                <a:schemeClr val="lt2"/>
+              </a:buClr>
+              <a:buSzPts val="1400"/>
+              <a:buFont typeface="DM Sans"/>
+              <a:buChar char="■"/>
+              <a:defRPr sz="1400" b="0" i="0" u="none" strike="noStrike" cap="none">
+                <a:solidFill>
+                  <a:schemeClr val="lt2"/>
+                </a:solidFill>
+                <a:latin typeface="DM Sans"/>
+                <a:ea typeface="DM Sans"/>
+                <a:cs typeface="DM Sans"/>
+                <a:sym typeface="DM Sans"/>
+              </a:defRPr>
+            </a:lvl9pPr>
+          </a:lstStyle>
+          <a:p>
+            <a:pPr marL="139700" indent="0" algn="l">
+              <a:buNone/>
+            </a:pPr>
             <a:endParaRPr lang="es-ES" dirty="0"/>
           </a:p>
         </p:txBody>
       </p:sp>
+      <p:pic>
+        <p:nvPicPr>
+          <p:cNvPr id="5" name="Imagen 4" descr="Interfaz de usuario gráfica, Aplicación&#10;&#10;Descripción generada automáticamente">
+            <a:extLst>
+              <a:ext uri="{FF2B5EF4-FFF2-40B4-BE49-F238E27FC236}">
+                <a16:creationId xmlns:a16="http://schemas.microsoft.com/office/drawing/2014/main" id="{D3A8A8E4-F122-168C-68E9-5A992AFE0087}"/>
+              </a:ext>
+            </a:extLst>
+          </p:cNvPr>
+          <p:cNvPicPr>
+            <a:picLocks noChangeAspect="1"/>
+          </p:cNvPicPr>
+          <p:nvPr/>
+        </p:nvPicPr>
+        <p:blipFill>
+          <a:blip r:embed="rId3"/>
+          <a:stretch>
+            <a:fillRect/>
+          </a:stretch>
+        </p:blipFill>
+        <p:spPr>
+          <a:xfrm>
+            <a:off x="851350" y="2351330"/>
+            <a:ext cx="2711907" cy="2399393"/>
+          </a:xfrm>
+          <a:prstGeom prst="rect">
+            <a:avLst/>
+          </a:prstGeom>
+        </p:spPr>
+      </p:pic>
+      <p:sp>
+        <p:nvSpPr>
+          <p:cNvPr id="6" name="Marcador de texto 22">
+            <a:extLst>
+              <a:ext uri="{FF2B5EF4-FFF2-40B4-BE49-F238E27FC236}">
+                <a16:creationId xmlns:a16="http://schemas.microsoft.com/office/drawing/2014/main" id="{B5E5BFC9-3F5B-AE65-BBD2-75AB63745291}"/>
+              </a:ext>
+            </a:extLst>
+          </p:cNvPr>
+          <p:cNvSpPr txBox="1">
+            <a:spLocks/>
+          </p:cNvSpPr>
+          <p:nvPr/>
+        </p:nvSpPr>
+        <p:spPr>
+          <a:xfrm>
+            <a:off x="718457" y="1410848"/>
+            <a:ext cx="3350239" cy="1149900"/>
+          </a:xfrm>
+          <a:prstGeom prst="rect">
+            <a:avLst/>
+          </a:prstGeom>
+          <a:noFill/>
+          <a:ln>
+            <a:noFill/>
+          </a:ln>
+        </p:spPr>
+        <p:txBody>
+          <a:bodyPr spcFirstLastPara="1" wrap="square" lIns="91425" tIns="91425" rIns="91425" bIns="91425" anchor="t" anchorCtr="0">
+            <a:noAutofit/>
+          </a:bodyPr>
+          <a:lstStyle>
+            <a:defPPr marR="0" lvl="0" algn="l" rtl="0">
+              <a:lnSpc>
+                <a:spcPct val="100000"/>
+              </a:lnSpc>
+              <a:spcBef>
+                <a:spcPts val="0"/>
+              </a:spcBef>
+              <a:spcAft>
+                <a:spcPts val="0"/>
+              </a:spcAft>
+            </a:defPPr>
+            <a:lvl1pPr marL="457200" marR="0" lvl="0" indent="-317500" algn="ctr" rtl="0">
+              <a:lnSpc>
+                <a:spcPct val="100000"/>
+              </a:lnSpc>
+              <a:spcBef>
+                <a:spcPts val="0"/>
+              </a:spcBef>
+              <a:spcAft>
+                <a:spcPts val="0"/>
+              </a:spcAft>
+              <a:buClr>
+                <a:schemeClr val="lt2"/>
+              </a:buClr>
+              <a:buSzPts val="1400"/>
+              <a:buFont typeface="DM Sans"/>
+              <a:buChar char="●"/>
+              <a:defRPr sz="1400" b="0" i="0" u="none" strike="noStrike" cap="none">
+                <a:solidFill>
+                  <a:schemeClr val="lt2"/>
+                </a:solidFill>
+                <a:latin typeface="DM Sans"/>
+                <a:ea typeface="DM Sans"/>
+                <a:cs typeface="DM Sans"/>
+                <a:sym typeface="DM Sans"/>
+              </a:defRPr>
+            </a:lvl1pPr>
+            <a:lvl2pPr marL="914400" marR="0" lvl="1" indent="-317500" algn="ctr" rtl="0">
+              <a:lnSpc>
+                <a:spcPct val="100000"/>
+              </a:lnSpc>
+              <a:spcBef>
+                <a:spcPts val="1600"/>
+              </a:spcBef>
+              <a:spcAft>
+                <a:spcPts val="0"/>
+              </a:spcAft>
+              <a:buClr>
+                <a:schemeClr val="lt2"/>
+              </a:buClr>
+              <a:buSzPts val="1400"/>
+              <a:buFont typeface="DM Sans"/>
+              <a:buChar char="○"/>
+              <a:defRPr sz="1400" b="0" i="0" u="none" strike="noStrike" cap="none">
+                <a:solidFill>
+                  <a:schemeClr val="lt2"/>
+                </a:solidFill>
+                <a:latin typeface="DM Sans"/>
+                <a:ea typeface="DM Sans"/>
+                <a:cs typeface="DM Sans"/>
+                <a:sym typeface="DM Sans"/>
+              </a:defRPr>
+            </a:lvl2pPr>
+            <a:lvl3pPr marL="1371600" marR="0" lvl="2" indent="-317500" algn="ctr" rtl="0">
+              <a:lnSpc>
+                <a:spcPct val="100000"/>
+              </a:lnSpc>
+              <a:spcBef>
+                <a:spcPts val="1600"/>
+              </a:spcBef>
+              <a:spcAft>
+                <a:spcPts val="0"/>
+              </a:spcAft>
+              <a:buClr>
+                <a:schemeClr val="lt2"/>
+              </a:buClr>
+              <a:buSzPts val="1400"/>
+              <a:buFont typeface="DM Sans"/>
+              <a:buChar char="■"/>
+              <a:defRPr sz="1400" b="0" i="0" u="none" strike="noStrike" cap="none">
+                <a:solidFill>
+                  <a:schemeClr val="lt2"/>
+                </a:solidFill>
+                <a:latin typeface="DM Sans"/>
+                <a:ea typeface="DM Sans"/>
+                <a:cs typeface="DM Sans"/>
+                <a:sym typeface="DM Sans"/>
+              </a:defRPr>
+            </a:lvl3pPr>
+            <a:lvl4pPr marL="1828800" marR="0" lvl="3" indent="-317500" algn="ctr" rtl="0">
+              <a:lnSpc>
+                <a:spcPct val="100000"/>
+              </a:lnSpc>
+              <a:spcBef>
+                <a:spcPts val="1600"/>
+              </a:spcBef>
+              <a:spcAft>
+                <a:spcPts val="0"/>
+              </a:spcAft>
+              <a:buClr>
+                <a:schemeClr val="lt2"/>
+              </a:buClr>
+              <a:buSzPts val="1400"/>
+              <a:buFont typeface="DM Sans"/>
+              <a:buChar char="●"/>
+              <a:defRPr sz="1400" b="0" i="0" u="none" strike="noStrike" cap="none">
+                <a:solidFill>
+                  <a:schemeClr val="lt2"/>
+                </a:solidFill>
+                <a:latin typeface="DM Sans"/>
+                <a:ea typeface="DM Sans"/>
+                <a:cs typeface="DM Sans"/>
+                <a:sym typeface="DM Sans"/>
+              </a:defRPr>
+            </a:lvl4pPr>
+            <a:lvl5pPr marL="2286000" marR="0" lvl="4" indent="-317500" algn="ctr" rtl="0">
+              <a:lnSpc>
+                <a:spcPct val="100000"/>
+              </a:lnSpc>
+              <a:spcBef>
+                <a:spcPts val="1600"/>
+              </a:spcBef>
+              <a:spcAft>
+                <a:spcPts val="0"/>
+              </a:spcAft>
+              <a:buClr>
+                <a:schemeClr val="lt2"/>
+              </a:buClr>
+              <a:buSzPts val="1400"/>
+              <a:buFont typeface="DM Sans"/>
+              <a:buChar char="○"/>
+              <a:defRPr sz="1400" b="0" i="0" u="none" strike="noStrike" cap="none">
+                <a:solidFill>
+                  <a:schemeClr val="lt2"/>
+                </a:solidFill>
+                <a:latin typeface="DM Sans"/>
+                <a:ea typeface="DM Sans"/>
+                <a:cs typeface="DM Sans"/>
+                <a:sym typeface="DM Sans"/>
+              </a:defRPr>
+            </a:lvl5pPr>
+            <a:lvl6pPr marL="2743200" marR="0" lvl="5" indent="-317500" algn="ctr" rtl="0">
+              <a:lnSpc>
+                <a:spcPct val="100000"/>
+              </a:lnSpc>
+              <a:spcBef>
+                <a:spcPts val="1600"/>
+              </a:spcBef>
+              <a:spcAft>
+                <a:spcPts val="0"/>
+              </a:spcAft>
+              <a:buClr>
+                <a:schemeClr val="lt2"/>
+              </a:buClr>
+              <a:buSzPts val="1400"/>
+              <a:buFont typeface="DM Sans"/>
+              <a:buChar char="■"/>
+              <a:defRPr sz="1400" b="0" i="0" u="none" strike="noStrike" cap="none">
+                <a:solidFill>
+                  <a:schemeClr val="lt2"/>
+                </a:solidFill>
+                <a:latin typeface="DM Sans"/>
+                <a:ea typeface="DM Sans"/>
+                <a:cs typeface="DM Sans"/>
+                <a:sym typeface="DM Sans"/>
+              </a:defRPr>
+            </a:lvl6pPr>
+            <a:lvl7pPr marL="3200400" marR="0" lvl="6" indent="-317500" algn="ctr" rtl="0">
+              <a:lnSpc>
+                <a:spcPct val="100000"/>
+              </a:lnSpc>
+              <a:spcBef>
+                <a:spcPts val="1600"/>
+              </a:spcBef>
+              <a:spcAft>
+                <a:spcPts val="0"/>
+              </a:spcAft>
+              <a:buClr>
+                <a:schemeClr val="lt2"/>
+              </a:buClr>
+              <a:buSzPts val="1400"/>
+              <a:buFont typeface="DM Sans"/>
+              <a:buChar char="●"/>
+              <a:defRPr sz="1400" b="0" i="0" u="none" strike="noStrike" cap="none">
+                <a:solidFill>
+                  <a:schemeClr val="lt2"/>
+                </a:solidFill>
+                <a:latin typeface="DM Sans"/>
+                <a:ea typeface="DM Sans"/>
+                <a:cs typeface="DM Sans"/>
+                <a:sym typeface="DM Sans"/>
+              </a:defRPr>
+            </a:lvl7pPr>
+            <a:lvl8pPr marL="3657600" marR="0" lvl="7" indent="-317500" algn="ctr" rtl="0">
+              <a:lnSpc>
+                <a:spcPct val="100000"/>
+              </a:lnSpc>
+              <a:spcBef>
+                <a:spcPts val="1600"/>
+              </a:spcBef>
+              <a:spcAft>
+                <a:spcPts val="0"/>
+              </a:spcAft>
+              <a:buClr>
+                <a:schemeClr val="lt2"/>
+              </a:buClr>
+              <a:buSzPts val="1400"/>
+              <a:buFont typeface="DM Sans"/>
+              <a:buChar char="○"/>
+              <a:defRPr sz="1400" b="0" i="0" u="none" strike="noStrike" cap="none">
+                <a:solidFill>
+                  <a:schemeClr val="lt2"/>
+                </a:solidFill>
+                <a:latin typeface="DM Sans"/>
+                <a:ea typeface="DM Sans"/>
+                <a:cs typeface="DM Sans"/>
+                <a:sym typeface="DM Sans"/>
+              </a:defRPr>
+            </a:lvl8pPr>
+            <a:lvl9pPr marL="4114800" marR="0" lvl="8" indent="-317500" algn="ctr" rtl="0">
+              <a:lnSpc>
+                <a:spcPct val="100000"/>
+              </a:lnSpc>
+              <a:spcBef>
+                <a:spcPts val="1600"/>
+              </a:spcBef>
+              <a:spcAft>
+                <a:spcPts val="1600"/>
+              </a:spcAft>
+              <a:buClr>
+                <a:schemeClr val="lt2"/>
+              </a:buClr>
+              <a:buSzPts val="1400"/>
+              <a:buFont typeface="DM Sans"/>
+              <a:buChar char="■"/>
+              <a:defRPr sz="1400" b="0" i="0" u="none" strike="noStrike" cap="none">
+                <a:solidFill>
+                  <a:schemeClr val="lt2"/>
+                </a:solidFill>
+                <a:latin typeface="DM Sans"/>
+                <a:ea typeface="DM Sans"/>
+                <a:cs typeface="DM Sans"/>
+                <a:sym typeface="DM Sans"/>
+              </a:defRPr>
+            </a:lvl9pPr>
+          </a:lstStyle>
+          <a:p>
+            <a:pPr algn="l"/>
+            <a:r>
+              <a:rPr lang="es-ES" dirty="0"/>
+              <a:t>86% de precisión media</a:t>
+            </a:r>
+          </a:p>
+          <a:p>
+            <a:pPr algn="l"/>
+            <a:r>
+              <a:rPr lang="es-ES" dirty="0"/>
+              <a:t>98% de precisión de benignos</a:t>
+            </a:r>
+          </a:p>
+          <a:p>
+            <a:pPr algn="l"/>
+            <a:r>
+              <a:rPr lang="es-ES" dirty="0"/>
+              <a:t>98% de </a:t>
+            </a:r>
+            <a:r>
+              <a:rPr lang="es-ES" dirty="0" err="1"/>
+              <a:t>recall</a:t>
+            </a:r>
+            <a:r>
+              <a:rPr lang="es-ES" dirty="0"/>
+              <a:t> de benignos</a:t>
+            </a:r>
+          </a:p>
+          <a:p>
+            <a:pPr marL="139700" indent="0" algn="l">
+              <a:buNone/>
+            </a:pPr>
+            <a:endParaRPr lang="es-ES" dirty="0"/>
+          </a:p>
+          <a:p>
+            <a:pPr algn="l"/>
+            <a:endParaRPr lang="es-ES" dirty="0"/>
+          </a:p>
+        </p:txBody>
+      </p:sp>
+      <p:sp>
+        <p:nvSpPr>
+          <p:cNvPr id="9" name="Título 24">
+            <a:extLst>
+              <a:ext uri="{FF2B5EF4-FFF2-40B4-BE49-F238E27FC236}">
+                <a16:creationId xmlns:a16="http://schemas.microsoft.com/office/drawing/2014/main" id="{7D1F9887-75CF-EB93-E649-917B19AD5843}"/>
+              </a:ext>
+            </a:extLst>
+          </p:cNvPr>
+          <p:cNvSpPr txBox="1">
+            <a:spLocks/>
+          </p:cNvSpPr>
+          <p:nvPr/>
+        </p:nvSpPr>
+        <p:spPr>
+          <a:xfrm>
+            <a:off x="4068696" y="962289"/>
+            <a:ext cx="2214000" cy="539700"/>
+          </a:xfrm>
+          <a:prstGeom prst="rect">
+            <a:avLst/>
+          </a:prstGeom>
+          <a:noFill/>
+          <a:ln>
+            <a:noFill/>
+          </a:ln>
+        </p:spPr>
+        <p:txBody>
+          <a:bodyPr spcFirstLastPara="1" wrap="square" lIns="91425" tIns="91425" rIns="91425" bIns="91425" anchor="b" anchorCtr="0">
+            <a:noAutofit/>
+          </a:bodyPr>
+          <a:lstStyle>
+            <a:defPPr marR="0" lvl="0" algn="l" rtl="0">
+              <a:lnSpc>
+                <a:spcPct val="100000"/>
+              </a:lnSpc>
+              <a:spcBef>
+                <a:spcPts val="0"/>
+              </a:spcBef>
+              <a:spcAft>
+                <a:spcPts val="0"/>
+              </a:spcAft>
+            </a:defPPr>
+            <a:lvl1pPr marR="0" lvl="0" algn="ctr" rtl="0">
+              <a:lnSpc>
+                <a:spcPct val="100000"/>
+              </a:lnSpc>
+              <a:spcBef>
+                <a:spcPts val="0"/>
+              </a:spcBef>
+              <a:spcAft>
+                <a:spcPts val="0"/>
+              </a:spcAft>
+              <a:buClr>
+                <a:schemeClr val="lt2"/>
+              </a:buClr>
+              <a:buSzPts val="1800"/>
+              <a:buFont typeface="Viga"/>
+              <a:buNone/>
+              <a:defRPr sz="1800" b="0" i="0" u="none" strike="noStrike" cap="none">
+                <a:solidFill>
+                  <a:schemeClr val="lt2"/>
+                </a:solidFill>
+                <a:latin typeface="Viga"/>
+                <a:ea typeface="Viga"/>
+                <a:cs typeface="Viga"/>
+                <a:sym typeface="Viga"/>
+              </a:defRPr>
+            </a:lvl1pPr>
+            <a:lvl2pPr marR="0" lvl="1" algn="ctr" rtl="0">
+              <a:lnSpc>
+                <a:spcPct val="100000"/>
+              </a:lnSpc>
+              <a:spcBef>
+                <a:spcPts val="0"/>
+              </a:spcBef>
+              <a:spcAft>
+                <a:spcPts val="0"/>
+              </a:spcAft>
+              <a:buClr>
+                <a:schemeClr val="lt2"/>
+              </a:buClr>
+              <a:buSzPts val="1800"/>
+              <a:buFont typeface="Arial"/>
+              <a:buNone/>
+              <a:defRPr sz="1800" b="0" i="0" u="none" strike="noStrike" cap="none">
+                <a:solidFill>
+                  <a:schemeClr val="lt2"/>
+                </a:solidFill>
+                <a:latin typeface="Arial"/>
+                <a:ea typeface="Arial"/>
+                <a:cs typeface="Arial"/>
+                <a:sym typeface="Arial"/>
+              </a:defRPr>
+            </a:lvl2pPr>
+            <a:lvl3pPr marR="0" lvl="2" algn="ctr" rtl="0">
+              <a:lnSpc>
+                <a:spcPct val="100000"/>
+              </a:lnSpc>
+              <a:spcBef>
+                <a:spcPts val="0"/>
+              </a:spcBef>
+              <a:spcAft>
+                <a:spcPts val="0"/>
+              </a:spcAft>
+              <a:buClr>
+                <a:schemeClr val="lt2"/>
+              </a:buClr>
+              <a:buSzPts val="1800"/>
+              <a:buFont typeface="Arial"/>
+              <a:buNone/>
+              <a:defRPr sz="1800" b="0" i="0" u="none" strike="noStrike" cap="none">
+                <a:solidFill>
+                  <a:schemeClr val="lt2"/>
+                </a:solidFill>
+                <a:latin typeface="Arial"/>
+                <a:ea typeface="Arial"/>
+                <a:cs typeface="Arial"/>
+                <a:sym typeface="Arial"/>
+              </a:defRPr>
+            </a:lvl3pPr>
+            <a:lvl4pPr marR="0" lvl="3" algn="ctr" rtl="0">
+              <a:lnSpc>
+                <a:spcPct val="100000"/>
+              </a:lnSpc>
+              <a:spcBef>
+                <a:spcPts val="0"/>
+              </a:spcBef>
+              <a:spcAft>
+                <a:spcPts val="0"/>
+              </a:spcAft>
+              <a:buClr>
+                <a:schemeClr val="lt2"/>
+              </a:buClr>
+              <a:buSzPts val="1800"/>
+              <a:buFont typeface="Arial"/>
+              <a:buNone/>
+              <a:defRPr sz="1800" b="0" i="0" u="none" strike="noStrike" cap="none">
+                <a:solidFill>
+                  <a:schemeClr val="lt2"/>
+                </a:solidFill>
+                <a:latin typeface="Arial"/>
+                <a:ea typeface="Arial"/>
+                <a:cs typeface="Arial"/>
+                <a:sym typeface="Arial"/>
+              </a:defRPr>
+            </a:lvl4pPr>
+            <a:lvl5pPr marR="0" lvl="4" algn="ctr" rtl="0">
+              <a:lnSpc>
+                <a:spcPct val="100000"/>
+              </a:lnSpc>
+              <a:spcBef>
+                <a:spcPts val="0"/>
+              </a:spcBef>
+              <a:spcAft>
+                <a:spcPts val="0"/>
+              </a:spcAft>
+              <a:buClr>
+                <a:schemeClr val="lt2"/>
+              </a:buClr>
+              <a:buSzPts val="1800"/>
+              <a:buFont typeface="Arial"/>
+              <a:buNone/>
+              <a:defRPr sz="1800" b="0" i="0" u="none" strike="noStrike" cap="none">
+                <a:solidFill>
+                  <a:schemeClr val="lt2"/>
+                </a:solidFill>
+                <a:latin typeface="Arial"/>
+                <a:ea typeface="Arial"/>
+                <a:cs typeface="Arial"/>
+                <a:sym typeface="Arial"/>
+              </a:defRPr>
+            </a:lvl5pPr>
+            <a:lvl6pPr marR="0" lvl="5" algn="ctr" rtl="0">
+              <a:lnSpc>
+                <a:spcPct val="100000"/>
+              </a:lnSpc>
+              <a:spcBef>
+                <a:spcPts val="0"/>
+              </a:spcBef>
+              <a:spcAft>
+                <a:spcPts val="0"/>
+              </a:spcAft>
+              <a:buClr>
+                <a:schemeClr val="lt2"/>
+              </a:buClr>
+              <a:buSzPts val="1800"/>
+              <a:buFont typeface="Arial"/>
+              <a:buNone/>
+              <a:defRPr sz="1800" b="0" i="0" u="none" strike="noStrike" cap="none">
+                <a:solidFill>
+                  <a:schemeClr val="lt2"/>
+                </a:solidFill>
+                <a:latin typeface="Arial"/>
+                <a:ea typeface="Arial"/>
+                <a:cs typeface="Arial"/>
+                <a:sym typeface="Arial"/>
+              </a:defRPr>
+            </a:lvl6pPr>
+            <a:lvl7pPr marR="0" lvl="6" algn="ctr" rtl="0">
+              <a:lnSpc>
+                <a:spcPct val="100000"/>
+              </a:lnSpc>
+              <a:spcBef>
+                <a:spcPts val="0"/>
+              </a:spcBef>
+              <a:spcAft>
+                <a:spcPts val="0"/>
+              </a:spcAft>
+              <a:buClr>
+                <a:schemeClr val="lt2"/>
+              </a:buClr>
+              <a:buSzPts val="1800"/>
+              <a:buFont typeface="Arial"/>
+              <a:buNone/>
+              <a:defRPr sz="1800" b="0" i="0" u="none" strike="noStrike" cap="none">
+                <a:solidFill>
+                  <a:schemeClr val="lt2"/>
+                </a:solidFill>
+                <a:latin typeface="Arial"/>
+                <a:ea typeface="Arial"/>
+                <a:cs typeface="Arial"/>
+                <a:sym typeface="Arial"/>
+              </a:defRPr>
+            </a:lvl7pPr>
+            <a:lvl8pPr marR="0" lvl="7" algn="ctr" rtl="0">
+              <a:lnSpc>
+                <a:spcPct val="100000"/>
+              </a:lnSpc>
+              <a:spcBef>
+                <a:spcPts val="0"/>
+              </a:spcBef>
+              <a:spcAft>
+                <a:spcPts val="0"/>
+              </a:spcAft>
+              <a:buClr>
+                <a:schemeClr val="lt2"/>
+              </a:buClr>
+              <a:buSzPts val="1800"/>
+              <a:buFont typeface="Arial"/>
+              <a:buNone/>
+              <a:defRPr sz="1800" b="0" i="0" u="none" strike="noStrike" cap="none">
+                <a:solidFill>
+                  <a:schemeClr val="lt2"/>
+                </a:solidFill>
+                <a:latin typeface="Arial"/>
+                <a:ea typeface="Arial"/>
+                <a:cs typeface="Arial"/>
+                <a:sym typeface="Arial"/>
+              </a:defRPr>
+            </a:lvl8pPr>
+            <a:lvl9pPr marR="0" lvl="8" algn="ctr" rtl="0">
+              <a:lnSpc>
+                <a:spcPct val="100000"/>
+              </a:lnSpc>
+              <a:spcBef>
+                <a:spcPts val="0"/>
+              </a:spcBef>
+              <a:spcAft>
+                <a:spcPts val="0"/>
+              </a:spcAft>
+              <a:buClr>
+                <a:schemeClr val="lt2"/>
+              </a:buClr>
+              <a:buSzPts val="1800"/>
+              <a:buFont typeface="Arial"/>
+              <a:buNone/>
+              <a:defRPr sz="1800" b="0" i="0" u="none" strike="noStrike" cap="none">
+                <a:solidFill>
+                  <a:schemeClr val="lt2"/>
+                </a:solidFill>
+                <a:latin typeface="Arial"/>
+                <a:ea typeface="Arial"/>
+                <a:cs typeface="Arial"/>
+                <a:sym typeface="Arial"/>
+              </a:defRPr>
+            </a:lvl9pPr>
+          </a:lstStyle>
+          <a:p>
+            <a:r>
+              <a:rPr lang="es-ES" dirty="0"/>
+              <a:t>Estructura</a:t>
+            </a:r>
+          </a:p>
+        </p:txBody>
+      </p:sp>
+      <p:pic>
+        <p:nvPicPr>
+          <p:cNvPr id="11" name="Imagen 10" descr="Interfaz de usuario gráfica&#10;&#10;Descripción generada automáticamente">
+            <a:extLst>
+              <a:ext uri="{FF2B5EF4-FFF2-40B4-BE49-F238E27FC236}">
+                <a16:creationId xmlns:a16="http://schemas.microsoft.com/office/drawing/2014/main" id="{9E42528D-0316-8B89-18F7-EEC599005CC6}"/>
+              </a:ext>
+            </a:extLst>
+          </p:cNvPr>
+          <p:cNvPicPr>
+            <a:picLocks noChangeAspect="1"/>
+          </p:cNvPicPr>
+          <p:nvPr/>
+        </p:nvPicPr>
+        <p:blipFill>
+          <a:blip r:embed="rId4"/>
+          <a:stretch>
+            <a:fillRect/>
+          </a:stretch>
+        </p:blipFill>
+        <p:spPr>
+          <a:xfrm>
+            <a:off x="4308080" y="1586403"/>
+            <a:ext cx="4370183" cy="3072327"/>
+          </a:xfrm>
+          <a:prstGeom prst="rect">
+            <a:avLst/>
+          </a:prstGeom>
+        </p:spPr>
+      </p:pic>
     </p:spTree>
     <p:extLst>
       <p:ext uri="{BB962C8B-B14F-4D97-AF65-F5344CB8AC3E}">

--- a/Documentacion/Resumen_Proyecto.pptx
+++ b/Documentacion/Resumen_Proyecto.pptx
@@ -5,7 +5,7 @@
     <p:sldMasterId id="2147483674" r:id="rId1"/>
   </p:sldMasterIdLst>
   <p:notesMasterIdLst>
-    <p:notesMasterId r:id="rId14"/>
+    <p:notesMasterId r:id="rId15"/>
   </p:notesMasterIdLst>
   <p:sldIdLst>
     <p:sldId id="256" r:id="rId2"/>
@@ -20,20 +20,21 @@
     <p:sldId id="275" r:id="rId11"/>
     <p:sldId id="277" r:id="rId12"/>
     <p:sldId id="289" r:id="rId13"/>
+    <p:sldId id="290" r:id="rId14"/>
   </p:sldIdLst>
   <p:sldSz cx="9144000" cy="5143500" type="screen16x9"/>
   <p:notesSz cx="6858000" cy="9144000"/>
   <p:embeddedFontLst>
     <p:embeddedFont>
       <p:font typeface="DM Sans" pitchFamily="2" charset="0"/>
-      <p:regular r:id="rId15"/>
-      <p:bold r:id="rId16"/>
-      <p:italic r:id="rId17"/>
-      <p:boldItalic r:id="rId18"/>
+      <p:regular r:id="rId16"/>
+      <p:bold r:id="rId17"/>
+      <p:italic r:id="rId18"/>
+      <p:boldItalic r:id="rId19"/>
     </p:embeddedFont>
     <p:embeddedFont>
       <p:font typeface="Viga" panose="020B0604020202020204" charset="0"/>
-      <p:regular r:id="rId19"/>
+      <p:regular r:id="rId20"/>
     </p:embeddedFont>
   </p:embeddedFontLst>
   <p:defaultTextStyle>
@@ -302,7 +303,7 @@
 <file path=ppt/revisionInfo.xml><?xml version="1.0" encoding="utf-8"?>
 <p1510:revInfo xmlns:a="http://schemas.openxmlformats.org/drawingml/2006/main" xmlns:r="http://schemas.openxmlformats.org/officeDocument/2006/relationships" xmlns:p1510="http://schemas.microsoft.com/office/powerpoint/2015/10/main">
   <p1510:revLst>
-    <p1510:client id="{E943E5C1-95CE-486C-92D7-129C80AE65D4}" v="99" dt="2024-06-17T21:17:46.354"/>
+    <p1510:client id="{E943E5C1-95CE-486C-92D7-129C80AE65D4}" v="140" dt="2024-06-18T09:40:07.918"/>
   </p1510:revLst>
 </p1510:revInfo>
 </file>
@@ -383,7 +384,7 @@
   <pc:docChgLst>
     <pc:chgData name="Anxo Casal Rodriguez" userId="4252bde8-bc8f-41dd-83f3-a4e65c95fbdf" providerId="ADAL" clId="{E943E5C1-95CE-486C-92D7-129C80AE65D4}"/>
     <pc:docChg chg="undo redo custSel addSld delSld modSld sldOrd delMainMaster">
-      <pc:chgData name="Anxo Casal Rodriguez" userId="4252bde8-bc8f-41dd-83f3-a4e65c95fbdf" providerId="ADAL" clId="{E943E5C1-95CE-486C-92D7-129C80AE65D4}" dt="2024-06-17T22:12:52.960" v="3659" actId="1038"/>
+      <pc:chgData name="Anxo Casal Rodriguez" userId="4252bde8-bc8f-41dd-83f3-a4e65c95fbdf" providerId="ADAL" clId="{E943E5C1-95CE-486C-92D7-129C80AE65D4}" dt="2024-06-18T09:40:07.918" v="3849"/>
       <pc:docMkLst>
         <pc:docMk/>
       </pc:docMkLst>
@@ -414,6 +415,21 @@
             <pc:docMk/>
             <pc:sldMk cId="0" sldId="262"/>
             <ac:spMk id="9" creationId="{0E901B9B-A59D-FE82-5450-42A631183763}"/>
+          </ac:spMkLst>
+        </pc:spChg>
+      </pc:sldChg>
+      <pc:sldChg chg="modSp mod">
+        <pc:chgData name="Anxo Casal Rodriguez" userId="4252bde8-bc8f-41dd-83f3-a4e65c95fbdf" providerId="ADAL" clId="{E943E5C1-95CE-486C-92D7-129C80AE65D4}" dt="2024-06-18T09:27:11.136" v="3749" actId="20577"/>
+        <pc:sldMkLst>
+          <pc:docMk/>
+          <pc:sldMk cId="0" sldId="264"/>
+        </pc:sldMkLst>
+        <pc:spChg chg="mod">
+          <ac:chgData name="Anxo Casal Rodriguez" userId="4252bde8-bc8f-41dd-83f3-a4e65c95fbdf" providerId="ADAL" clId="{E943E5C1-95CE-486C-92D7-129C80AE65D4}" dt="2024-06-18T09:27:11.136" v="3749" actId="20577"/>
+          <ac:spMkLst>
+            <pc:docMk/>
+            <pc:sldMk cId="0" sldId="264"/>
+            <ac:spMk id="880" creationId="{00000000-0000-0000-0000-000000000000}"/>
           </ac:spMkLst>
         </pc:spChg>
       </pc:sldChg>
@@ -2356,6 +2372,213 @@
           </ac:picMkLst>
         </pc:picChg>
       </pc:sldChg>
+      <pc:sldChg chg="addSp delSp modSp add mod">
+        <pc:chgData name="Anxo Casal Rodriguez" userId="4252bde8-bc8f-41dd-83f3-a4e65c95fbdf" providerId="ADAL" clId="{E943E5C1-95CE-486C-92D7-129C80AE65D4}" dt="2024-06-18T09:40:07.918" v="3849"/>
+        <pc:sldMkLst>
+          <pc:docMk/>
+          <pc:sldMk cId="2807341057" sldId="290"/>
+        </pc:sldMkLst>
+        <pc:spChg chg="del">
+          <ac:chgData name="Anxo Casal Rodriguez" userId="4252bde8-bc8f-41dd-83f3-a4e65c95fbdf" providerId="ADAL" clId="{E943E5C1-95CE-486C-92D7-129C80AE65D4}" dt="2024-06-18T09:24:32.626" v="3665" actId="478"/>
+          <ac:spMkLst>
+            <pc:docMk/>
+            <pc:sldMk cId="2807341057" sldId="290"/>
+            <ac:spMk id="3" creationId="{3CAD8DC7-01B7-8AC1-F0D2-78D3CCE77581}"/>
+          </ac:spMkLst>
+        </pc:spChg>
+        <pc:spChg chg="add del mod">
+          <ac:chgData name="Anxo Casal Rodriguez" userId="4252bde8-bc8f-41dd-83f3-a4e65c95fbdf" providerId="ADAL" clId="{E943E5C1-95CE-486C-92D7-129C80AE65D4}" dt="2024-06-18T09:24:34.579" v="3666" actId="478"/>
+          <ac:spMkLst>
+            <pc:docMk/>
+            <pc:sldMk cId="2807341057" sldId="290"/>
+            <ac:spMk id="4" creationId="{F428224D-A5FC-182E-1533-7B654AD6B92A}"/>
+          </ac:spMkLst>
+        </pc:spChg>
+        <pc:spChg chg="del">
+          <ac:chgData name="Anxo Casal Rodriguez" userId="4252bde8-bc8f-41dd-83f3-a4e65c95fbdf" providerId="ADAL" clId="{E943E5C1-95CE-486C-92D7-129C80AE65D4}" dt="2024-06-18T09:24:26.973" v="3661" actId="478"/>
+          <ac:spMkLst>
+            <pc:docMk/>
+            <pc:sldMk cId="2807341057" sldId="290"/>
+            <ac:spMk id="6" creationId="{B5E5BFC9-3F5B-AE65-BBD2-75AB63745291}"/>
+          </ac:spMkLst>
+        </pc:spChg>
+        <pc:spChg chg="add mod">
+          <ac:chgData name="Anxo Casal Rodriguez" userId="4252bde8-bc8f-41dd-83f3-a4e65c95fbdf" providerId="ADAL" clId="{E943E5C1-95CE-486C-92D7-129C80AE65D4}" dt="2024-06-18T09:38:45.904" v="3837"/>
+          <ac:spMkLst>
+            <pc:docMk/>
+            <pc:sldMk cId="2807341057" sldId="290"/>
+            <ac:spMk id="7" creationId="{1381509B-10A2-8000-35F5-37CF48D81F94}"/>
+          </ac:spMkLst>
+        </pc:spChg>
+        <pc:spChg chg="add mod">
+          <ac:chgData name="Anxo Casal Rodriguez" userId="4252bde8-bc8f-41dd-83f3-a4e65c95fbdf" providerId="ADAL" clId="{E943E5C1-95CE-486C-92D7-129C80AE65D4}" dt="2024-06-18T09:35:39.757" v="3796" actId="1076"/>
+          <ac:spMkLst>
+            <pc:docMk/>
+            <pc:sldMk cId="2807341057" sldId="290"/>
+            <ac:spMk id="8" creationId="{0C7D852F-7942-3CFD-E0BD-9A9B2827356F}"/>
+          </ac:spMkLst>
+        </pc:spChg>
+        <pc:spChg chg="del">
+          <ac:chgData name="Anxo Casal Rodriguez" userId="4252bde8-bc8f-41dd-83f3-a4e65c95fbdf" providerId="ADAL" clId="{E943E5C1-95CE-486C-92D7-129C80AE65D4}" dt="2024-06-18T09:24:26.973" v="3661" actId="478"/>
+          <ac:spMkLst>
+            <pc:docMk/>
+            <pc:sldMk cId="2807341057" sldId="290"/>
+            <ac:spMk id="9" creationId="{7D1F9887-75CF-EB93-E649-917B19AD5843}"/>
+          </ac:spMkLst>
+        </pc:spChg>
+        <pc:spChg chg="add mod">
+          <ac:chgData name="Anxo Casal Rodriguez" userId="4252bde8-bc8f-41dd-83f3-a4e65c95fbdf" providerId="ADAL" clId="{E943E5C1-95CE-486C-92D7-129C80AE65D4}" dt="2024-06-18T09:25:40.675" v="3743" actId="20577"/>
+          <ac:spMkLst>
+            <pc:docMk/>
+            <pc:sldMk cId="2807341057" sldId="290"/>
+            <ac:spMk id="10" creationId="{88C1CE4E-0A74-7EC2-54DC-21573689B758}"/>
+          </ac:spMkLst>
+        </pc:spChg>
+        <pc:spChg chg="del mod">
+          <ac:chgData name="Anxo Casal Rodriguez" userId="4252bde8-bc8f-41dd-83f3-a4e65c95fbdf" providerId="ADAL" clId="{E943E5C1-95CE-486C-92D7-129C80AE65D4}" dt="2024-06-18T09:24:31" v="3664" actId="478"/>
+          <ac:spMkLst>
+            <pc:docMk/>
+            <pc:sldMk cId="2807341057" sldId="290"/>
+            <ac:spMk id="25" creationId="{C60DFFAC-1AC7-59E5-963F-88E502428D5E}"/>
+          </ac:spMkLst>
+        </pc:spChg>
+        <pc:spChg chg="mod">
+          <ac:chgData name="Anxo Casal Rodriguez" userId="4252bde8-bc8f-41dd-83f3-a4e65c95fbdf" providerId="ADAL" clId="{E943E5C1-95CE-486C-92D7-129C80AE65D4}" dt="2024-06-18T09:24:49.015" v="3678" actId="20577"/>
+          <ac:spMkLst>
+            <pc:docMk/>
+            <pc:sldMk cId="2807341057" sldId="290"/>
+            <ac:spMk id="874" creationId="{00000000-0000-0000-0000-000000000000}"/>
+          </ac:spMkLst>
+        </pc:spChg>
+        <pc:graphicFrameChg chg="add del mod">
+          <ac:chgData name="Anxo Casal Rodriguez" userId="4252bde8-bc8f-41dd-83f3-a4e65c95fbdf" providerId="ADAL" clId="{E943E5C1-95CE-486C-92D7-129C80AE65D4}" dt="2024-06-18T09:33:19.426" v="3792" actId="478"/>
+          <ac:graphicFrameMkLst>
+            <pc:docMk/>
+            <pc:sldMk cId="2807341057" sldId="290"/>
+            <ac:graphicFrameMk id="14" creationId="{E16873AD-C462-0B05-E592-B5DECBEFB8E7}"/>
+          </ac:graphicFrameMkLst>
+        </pc:graphicFrameChg>
+        <pc:graphicFrameChg chg="add del mod">
+          <ac:chgData name="Anxo Casal Rodriguez" userId="4252bde8-bc8f-41dd-83f3-a4e65c95fbdf" providerId="ADAL" clId="{E943E5C1-95CE-486C-92D7-129C80AE65D4}" dt="2024-06-18T09:35:30.988" v="3794" actId="478"/>
+          <ac:graphicFrameMkLst>
+            <pc:docMk/>
+            <pc:sldMk cId="2807341057" sldId="290"/>
+            <ac:graphicFrameMk id="17" creationId="{1E4D4971-69DA-69A2-FB32-D849FD4909D1}"/>
+          </ac:graphicFrameMkLst>
+        </pc:graphicFrameChg>
+        <pc:picChg chg="del">
+          <ac:chgData name="Anxo Casal Rodriguez" userId="4252bde8-bc8f-41dd-83f3-a4e65c95fbdf" providerId="ADAL" clId="{E943E5C1-95CE-486C-92D7-129C80AE65D4}" dt="2024-06-18T09:24:26.973" v="3661" actId="478"/>
+          <ac:picMkLst>
+            <pc:docMk/>
+            <pc:sldMk cId="2807341057" sldId="290"/>
+            <ac:picMk id="5" creationId="{D3A8A8E4-F122-168C-68E9-5A992AFE0087}"/>
+          </ac:picMkLst>
+        </pc:picChg>
+        <pc:picChg chg="del">
+          <ac:chgData name="Anxo Casal Rodriguez" userId="4252bde8-bc8f-41dd-83f3-a4e65c95fbdf" providerId="ADAL" clId="{E943E5C1-95CE-486C-92D7-129C80AE65D4}" dt="2024-06-18T09:24:27.831" v="3662" actId="478"/>
+          <ac:picMkLst>
+            <pc:docMk/>
+            <pc:sldMk cId="2807341057" sldId="290"/>
+            <ac:picMk id="11" creationId="{9E42528D-0316-8B89-18F7-EEC599005CC6}"/>
+          </ac:picMkLst>
+        </pc:picChg>
+        <pc:picChg chg="add del mod modCrop">
+          <ac:chgData name="Anxo Casal Rodriguez" userId="4252bde8-bc8f-41dd-83f3-a4e65c95fbdf" providerId="ADAL" clId="{E943E5C1-95CE-486C-92D7-129C80AE65D4}" dt="2024-06-18T09:30:21.115" v="3763" actId="12084"/>
+          <ac:picMkLst>
+            <pc:docMk/>
+            <pc:sldMk cId="2807341057" sldId="290"/>
+            <ac:picMk id="13" creationId="{5065063B-B8A7-DD09-7977-F7D94EADED29}"/>
+          </ac:picMkLst>
+        </pc:picChg>
+        <pc:picChg chg="add del mod">
+          <ac:chgData name="Anxo Casal Rodriguez" userId="4252bde8-bc8f-41dd-83f3-a4e65c95fbdf" providerId="ADAL" clId="{E943E5C1-95CE-486C-92D7-129C80AE65D4}" dt="2024-06-18T09:31:12.353" v="3774" actId="12084"/>
+          <ac:picMkLst>
+            <pc:docMk/>
+            <pc:sldMk cId="2807341057" sldId="290"/>
+            <ac:picMk id="16" creationId="{4251C02A-02C7-EBBA-B628-E3F3B80B7F8F}"/>
+          </ac:picMkLst>
+        </pc:picChg>
+        <pc:picChg chg="add mod modCrop">
+          <ac:chgData name="Anxo Casal Rodriguez" userId="4252bde8-bc8f-41dd-83f3-a4e65c95fbdf" providerId="ADAL" clId="{E943E5C1-95CE-486C-92D7-129C80AE65D4}" dt="2024-06-18T09:37:45.166" v="3834" actId="1076"/>
+          <ac:picMkLst>
+            <pc:docMk/>
+            <pc:sldMk cId="2807341057" sldId="290"/>
+            <ac:picMk id="19" creationId="{AA8CC8D1-DD41-D412-C92D-CC755B7FC7C5}"/>
+          </ac:picMkLst>
+        </pc:picChg>
+        <pc:picChg chg="add mod modCrop">
+          <ac:chgData name="Anxo Casal Rodriguez" userId="4252bde8-bc8f-41dd-83f3-a4e65c95fbdf" providerId="ADAL" clId="{E943E5C1-95CE-486C-92D7-129C80AE65D4}" dt="2024-06-18T09:37:49.253" v="3835" actId="1076"/>
+          <ac:picMkLst>
+            <pc:docMk/>
+            <pc:sldMk cId="2807341057" sldId="290"/>
+            <ac:picMk id="22" creationId="{A5C6BB15-2BD9-3B10-8B64-9C87F6BE9423}"/>
+          </ac:picMkLst>
+        </pc:picChg>
+        <pc:picChg chg="add mod modCrop">
+          <ac:chgData name="Anxo Casal Rodriguez" userId="4252bde8-bc8f-41dd-83f3-a4e65c95fbdf" providerId="ADAL" clId="{E943E5C1-95CE-486C-92D7-129C80AE65D4}" dt="2024-06-18T09:37:52.373" v="3836" actId="1076"/>
+          <ac:picMkLst>
+            <pc:docMk/>
+            <pc:sldMk cId="2807341057" sldId="290"/>
+            <ac:picMk id="24" creationId="{FE7BEDF7-30D2-EC39-A181-20B048E2A949}"/>
+          </ac:picMkLst>
+        </pc:picChg>
+        <pc:picChg chg="add mod">
+          <ac:chgData name="Anxo Casal Rodriguez" userId="4252bde8-bc8f-41dd-83f3-a4e65c95fbdf" providerId="ADAL" clId="{E943E5C1-95CE-486C-92D7-129C80AE65D4}" dt="2024-06-18T09:39:52.546" v="3847"/>
+          <ac:picMkLst>
+            <pc:docMk/>
+            <pc:sldMk cId="2807341057" sldId="290"/>
+            <ac:picMk id="27" creationId="{C43BA73B-8783-3717-E807-60F4B332CE74}"/>
+          </ac:picMkLst>
+        </pc:picChg>
+        <pc:picChg chg="add mod">
+          <ac:chgData name="Anxo Casal Rodriguez" userId="4252bde8-bc8f-41dd-83f3-a4e65c95fbdf" providerId="ADAL" clId="{E943E5C1-95CE-486C-92D7-129C80AE65D4}" dt="2024-06-18T09:40:00.816" v="3848"/>
+          <ac:picMkLst>
+            <pc:docMk/>
+            <pc:sldMk cId="2807341057" sldId="290"/>
+            <ac:picMk id="28" creationId="{0A134D86-EF75-4519-2C7B-BB9568BA260A}"/>
+          </ac:picMkLst>
+        </pc:picChg>
+        <pc:picChg chg="add mod">
+          <ac:chgData name="Anxo Casal Rodriguez" userId="4252bde8-bc8f-41dd-83f3-a4e65c95fbdf" providerId="ADAL" clId="{E943E5C1-95CE-486C-92D7-129C80AE65D4}" dt="2024-06-18T09:40:07.918" v="3849"/>
+          <ac:picMkLst>
+            <pc:docMk/>
+            <pc:sldMk cId="2807341057" sldId="290"/>
+            <ac:picMk id="29" creationId="{9FFFFA1C-A583-56CB-E05A-7D7F1D07569B}"/>
+          </ac:picMkLst>
+        </pc:picChg>
+        <pc:picChg chg="add">
+          <ac:chgData name="Anxo Casal Rodriguez" userId="4252bde8-bc8f-41dd-83f3-a4e65c95fbdf" providerId="ADAL" clId="{E943E5C1-95CE-486C-92D7-129C80AE65D4}" dt="2024-06-18T09:26:47.769" v="3744"/>
+          <ac:picMkLst>
+            <pc:docMk/>
+            <pc:sldMk cId="2807341057" sldId="290"/>
+            <ac:picMk id="1026" creationId="{177EF908-AC28-E080-3DB0-C8B2FD88F9A5}"/>
+          </ac:picMkLst>
+        </pc:picChg>
+        <pc:picChg chg="add">
+          <ac:chgData name="Anxo Casal Rodriguez" userId="4252bde8-bc8f-41dd-83f3-a4e65c95fbdf" providerId="ADAL" clId="{E943E5C1-95CE-486C-92D7-129C80AE65D4}" dt="2024-06-18T09:26:49.455" v="3745"/>
+          <ac:picMkLst>
+            <pc:docMk/>
+            <pc:sldMk cId="2807341057" sldId="290"/>
+            <ac:picMk id="1028" creationId="{E09E4922-F208-51B2-6661-8E89CFC21390}"/>
+          </ac:picMkLst>
+        </pc:picChg>
+        <pc:picChg chg="add del mod">
+          <ac:chgData name="Anxo Casal Rodriguez" userId="4252bde8-bc8f-41dd-83f3-a4e65c95fbdf" providerId="ADAL" clId="{E943E5C1-95CE-486C-92D7-129C80AE65D4}" dt="2024-06-18T09:30:44.135" v="3768" actId="478"/>
+          <ac:picMkLst>
+            <pc:docMk/>
+            <pc:sldMk cId="2807341057" sldId="290"/>
+            <ac:picMk id="1030" creationId="{305775DC-7230-6CE9-E3F8-427FCDADD04E}"/>
+          </ac:picMkLst>
+        </pc:picChg>
+        <pc:picChg chg="add">
+          <ac:chgData name="Anxo Casal Rodriguez" userId="4252bde8-bc8f-41dd-83f3-a4e65c95fbdf" providerId="ADAL" clId="{E943E5C1-95CE-486C-92D7-129C80AE65D4}" dt="2024-06-18T09:30:45.596" v="3769"/>
+          <ac:picMkLst>
+            <pc:docMk/>
+            <pc:sldMk cId="2807341057" sldId="290"/>
+            <ac:picMk id="1032" creationId="{E130FC6D-8A61-BA2D-0BFD-A22E3925CBFA}"/>
+          </ac:picMkLst>
+        </pc:picChg>
+      </pc:sldChg>
       <pc:sldChg chg="del">
         <pc:chgData name="Anxo Casal Rodriguez" userId="4252bde8-bc8f-41dd-83f3-a4e65c95fbdf" providerId="ADAL" clId="{E943E5C1-95CE-486C-92D7-129C80AE65D4}" dt="2024-06-17T01:15:56.026" v="710" actId="47"/>
         <pc:sldMkLst>
@@ -3585,6 +3808,115 @@
     <p:extLst>
       <p:ext uri="{BB962C8B-B14F-4D97-AF65-F5344CB8AC3E}">
         <p14:creationId xmlns:p14="http://schemas.microsoft.com/office/powerpoint/2010/main" val="3551998417"/>
+      </p:ext>
+    </p:extLst>
+  </p:cSld>
+  <p:clrMapOvr>
+    <a:masterClrMapping/>
+  </p:clrMapOvr>
+</p:notes>
+</file>
+
+<file path=ppt/notesSlides/notesSlide13.xml><?xml version="1.0" encoding="utf-8"?>
+<p:notes xmlns:a="http://schemas.openxmlformats.org/drawingml/2006/main" xmlns:r="http://schemas.openxmlformats.org/officeDocument/2006/relationships" xmlns:p="http://schemas.openxmlformats.org/presentationml/2006/main" showMasterSp="0" showMasterPhAnim="0">
+  <p:cSld>
+    <p:spTree>
+      <p:nvGrpSpPr>
+        <p:cNvPr id="1" name="Shape 870"/>
+        <p:cNvGrpSpPr/>
+        <p:nvPr/>
+      </p:nvGrpSpPr>
+      <p:grpSpPr>
+        <a:xfrm>
+          <a:off x="0" y="0"/>
+          <a:ext cx="0" cy="0"/>
+          <a:chOff x="0" y="0"/>
+          <a:chExt cx="0" cy="0"/>
+        </a:xfrm>
+      </p:grpSpPr>
+      <p:sp>
+        <p:nvSpPr>
+          <p:cNvPr id="871" name="Google Shape;871;g6bdca54fc3_0_414:notes"/>
+          <p:cNvSpPr>
+            <a:spLocks noGrp="1" noRot="1" noChangeAspect="1"/>
+          </p:cNvSpPr>
+          <p:nvPr>
+            <p:ph type="sldImg" idx="2"/>
+          </p:nvPr>
+        </p:nvSpPr>
+        <p:spPr>
+          <a:xfrm>
+            <a:off x="381000" y="685800"/>
+            <a:ext cx="6096000" cy="3429000"/>
+          </a:xfrm>
+          <a:custGeom>
+            <a:avLst/>
+            <a:gdLst/>
+            <a:ahLst/>
+            <a:cxnLst/>
+            <a:rect l="l" t="t" r="r" b="b"/>
+            <a:pathLst>
+              <a:path w="120000" h="120000" extrusionOk="0">
+                <a:moveTo>
+                  <a:pt x="0" y="0"/>
+                </a:moveTo>
+                <a:lnTo>
+                  <a:pt x="120000" y="0"/>
+                </a:lnTo>
+                <a:lnTo>
+                  <a:pt x="120000" y="120000"/>
+                </a:lnTo>
+                <a:lnTo>
+                  <a:pt x="0" y="120000"/>
+                </a:lnTo>
+                <a:close/>
+              </a:path>
+            </a:pathLst>
+          </a:custGeom>
+        </p:spPr>
+      </p:sp>
+      <p:sp>
+        <p:nvSpPr>
+          <p:cNvPr id="872" name="Google Shape;872;g6bdca54fc3_0_414:notes"/>
+          <p:cNvSpPr txBox="1">
+            <a:spLocks noGrp="1"/>
+          </p:cNvSpPr>
+          <p:nvPr>
+            <p:ph type="body" idx="1"/>
+          </p:nvPr>
+        </p:nvSpPr>
+        <p:spPr>
+          <a:xfrm>
+            <a:off x="685800" y="4343400"/>
+            <a:ext cx="5486400" cy="4114800"/>
+          </a:xfrm>
+          <a:prstGeom prst="rect">
+            <a:avLst/>
+          </a:prstGeom>
+        </p:spPr>
+        <p:txBody>
+          <a:bodyPr spcFirstLastPara="1" wrap="square" lIns="91425" tIns="91425" rIns="91425" bIns="91425" anchor="t" anchorCtr="0">
+            <a:noAutofit/>
+          </a:bodyPr>
+          <a:lstStyle/>
+          <a:p>
+            <a:pPr marL="0" lvl="0" indent="0" algn="l" rtl="0">
+              <a:spcBef>
+                <a:spcPts val="0"/>
+              </a:spcBef>
+              <a:spcAft>
+                <a:spcPts val="0"/>
+              </a:spcAft>
+              <a:buNone/>
+            </a:pPr>
+            <a:endParaRPr/>
+          </a:p>
+        </p:txBody>
+      </p:sp>
+    </p:spTree>
+    <p:extLst>
+      <p:ext uri="{BB962C8B-B14F-4D97-AF65-F5344CB8AC3E}">
+        <p14:creationId xmlns:p14="http://schemas.microsoft.com/office/powerpoint/2010/main" val="1956475173"/>
       </p:ext>
     </p:extLst>
   </p:cSld>
@@ -27112,6 +27444,1119 @@
 </p:sld>
 </file>
 
+<file path=ppt/slides/slide13.xml><?xml version="1.0" encoding="utf-8"?>
+<p:sld xmlns:a="http://schemas.openxmlformats.org/drawingml/2006/main" xmlns:r="http://schemas.openxmlformats.org/officeDocument/2006/relationships" xmlns:p="http://schemas.openxmlformats.org/presentationml/2006/main">
+  <p:cSld>
+    <p:spTree>
+      <p:nvGrpSpPr>
+        <p:cNvPr id="1" name="Shape 873"/>
+        <p:cNvGrpSpPr/>
+        <p:nvPr/>
+      </p:nvGrpSpPr>
+      <p:grpSpPr>
+        <a:xfrm>
+          <a:off x="0" y="0"/>
+          <a:ext cx="0" cy="0"/>
+          <a:chOff x="0" y="0"/>
+          <a:chExt cx="0" cy="0"/>
+        </a:xfrm>
+      </p:grpSpPr>
+      <p:sp>
+        <p:nvSpPr>
+          <p:cNvPr id="874" name="Google Shape;874;p37"/>
+          <p:cNvSpPr txBox="1">
+            <a:spLocks noGrp="1"/>
+          </p:cNvSpPr>
+          <p:nvPr>
+            <p:ph type="title"/>
+          </p:nvPr>
+        </p:nvSpPr>
+        <p:spPr>
+          <a:xfrm>
+            <a:off x="626625" y="338175"/>
+            <a:ext cx="6084000" cy="539700"/>
+          </a:xfrm>
+          <a:prstGeom prst="rect">
+            <a:avLst/>
+          </a:prstGeom>
+        </p:spPr>
+        <p:txBody>
+          <a:bodyPr spcFirstLastPara="1" wrap="square" lIns="91425" tIns="91425" rIns="91425" bIns="91425" anchor="t" anchorCtr="0">
+            <a:noAutofit/>
+          </a:bodyPr>
+          <a:lstStyle/>
+          <a:p>
+            <a:pPr marL="0" lvl="0" indent="0" algn="l" rtl="0">
+              <a:spcBef>
+                <a:spcPts val="0"/>
+              </a:spcBef>
+              <a:spcAft>
+                <a:spcPts val="0"/>
+              </a:spcAft>
+              <a:buNone/>
+            </a:pPr>
+            <a:r>
+              <a:rPr lang="en"/>
+              <a:t>Equipo</a:t>
+            </a:r>
+            <a:endParaRPr dirty="0"/>
+          </a:p>
+        </p:txBody>
+      </p:sp>
+      <p:sp>
+        <p:nvSpPr>
+          <p:cNvPr id="7" name="Título 24">
+            <a:extLst>
+              <a:ext uri="{FF2B5EF4-FFF2-40B4-BE49-F238E27FC236}">
+                <a16:creationId xmlns:a16="http://schemas.microsoft.com/office/drawing/2014/main" id="{1381509B-10A2-8000-35F5-37CF48D81F94}"/>
+              </a:ext>
+            </a:extLst>
+          </p:cNvPr>
+          <p:cNvSpPr txBox="1">
+            <a:spLocks/>
+          </p:cNvSpPr>
+          <p:nvPr/>
+        </p:nvSpPr>
+        <p:spPr>
+          <a:xfrm>
+            <a:off x="3465000" y="1103377"/>
+            <a:ext cx="2214000" cy="539700"/>
+          </a:xfrm>
+          <a:prstGeom prst="rect">
+            <a:avLst/>
+          </a:prstGeom>
+          <a:noFill/>
+          <a:ln>
+            <a:noFill/>
+          </a:ln>
+        </p:spPr>
+        <p:txBody>
+          <a:bodyPr spcFirstLastPara="1" wrap="square" lIns="91425" tIns="91425" rIns="91425" bIns="91425" anchor="b" anchorCtr="0">
+            <a:noAutofit/>
+          </a:bodyPr>
+          <a:lstStyle>
+            <a:defPPr marR="0" lvl="0" algn="l" rtl="0">
+              <a:lnSpc>
+                <a:spcPct val="100000"/>
+              </a:lnSpc>
+              <a:spcBef>
+                <a:spcPts val="0"/>
+              </a:spcBef>
+              <a:spcAft>
+                <a:spcPts val="0"/>
+              </a:spcAft>
+            </a:defPPr>
+            <a:lvl1pPr marR="0" lvl="0" algn="ctr" rtl="0">
+              <a:lnSpc>
+                <a:spcPct val="100000"/>
+              </a:lnSpc>
+              <a:spcBef>
+                <a:spcPts val="0"/>
+              </a:spcBef>
+              <a:spcAft>
+                <a:spcPts val="0"/>
+              </a:spcAft>
+              <a:buClr>
+                <a:schemeClr val="lt2"/>
+              </a:buClr>
+              <a:buSzPts val="1800"/>
+              <a:buFont typeface="Viga"/>
+              <a:buNone/>
+              <a:defRPr sz="1800" b="0" i="0" u="none" strike="noStrike" cap="none">
+                <a:solidFill>
+                  <a:schemeClr val="lt2"/>
+                </a:solidFill>
+                <a:latin typeface="Viga"/>
+                <a:ea typeface="Viga"/>
+                <a:cs typeface="Viga"/>
+                <a:sym typeface="Viga"/>
+              </a:defRPr>
+            </a:lvl1pPr>
+            <a:lvl2pPr marR="0" lvl="1" algn="ctr" rtl="0">
+              <a:lnSpc>
+                <a:spcPct val="100000"/>
+              </a:lnSpc>
+              <a:spcBef>
+                <a:spcPts val="0"/>
+              </a:spcBef>
+              <a:spcAft>
+                <a:spcPts val="0"/>
+              </a:spcAft>
+              <a:buClr>
+                <a:schemeClr val="lt2"/>
+              </a:buClr>
+              <a:buSzPts val="1800"/>
+              <a:buFont typeface="Arial"/>
+              <a:buNone/>
+              <a:defRPr sz="1800" b="0" i="0" u="none" strike="noStrike" cap="none">
+                <a:solidFill>
+                  <a:schemeClr val="lt2"/>
+                </a:solidFill>
+                <a:latin typeface="Arial"/>
+                <a:ea typeface="Arial"/>
+                <a:cs typeface="Arial"/>
+                <a:sym typeface="Arial"/>
+              </a:defRPr>
+            </a:lvl2pPr>
+            <a:lvl3pPr marR="0" lvl="2" algn="ctr" rtl="0">
+              <a:lnSpc>
+                <a:spcPct val="100000"/>
+              </a:lnSpc>
+              <a:spcBef>
+                <a:spcPts val="0"/>
+              </a:spcBef>
+              <a:spcAft>
+                <a:spcPts val="0"/>
+              </a:spcAft>
+              <a:buClr>
+                <a:schemeClr val="lt2"/>
+              </a:buClr>
+              <a:buSzPts val="1800"/>
+              <a:buFont typeface="Arial"/>
+              <a:buNone/>
+              <a:defRPr sz="1800" b="0" i="0" u="none" strike="noStrike" cap="none">
+                <a:solidFill>
+                  <a:schemeClr val="lt2"/>
+                </a:solidFill>
+                <a:latin typeface="Arial"/>
+                <a:ea typeface="Arial"/>
+                <a:cs typeface="Arial"/>
+                <a:sym typeface="Arial"/>
+              </a:defRPr>
+            </a:lvl3pPr>
+            <a:lvl4pPr marR="0" lvl="3" algn="ctr" rtl="0">
+              <a:lnSpc>
+                <a:spcPct val="100000"/>
+              </a:lnSpc>
+              <a:spcBef>
+                <a:spcPts val="0"/>
+              </a:spcBef>
+              <a:spcAft>
+                <a:spcPts val="0"/>
+              </a:spcAft>
+              <a:buClr>
+                <a:schemeClr val="lt2"/>
+              </a:buClr>
+              <a:buSzPts val="1800"/>
+              <a:buFont typeface="Arial"/>
+              <a:buNone/>
+              <a:defRPr sz="1800" b="0" i="0" u="none" strike="noStrike" cap="none">
+                <a:solidFill>
+                  <a:schemeClr val="lt2"/>
+                </a:solidFill>
+                <a:latin typeface="Arial"/>
+                <a:ea typeface="Arial"/>
+                <a:cs typeface="Arial"/>
+                <a:sym typeface="Arial"/>
+              </a:defRPr>
+            </a:lvl4pPr>
+            <a:lvl5pPr marR="0" lvl="4" algn="ctr" rtl="0">
+              <a:lnSpc>
+                <a:spcPct val="100000"/>
+              </a:lnSpc>
+              <a:spcBef>
+                <a:spcPts val="0"/>
+              </a:spcBef>
+              <a:spcAft>
+                <a:spcPts val="0"/>
+              </a:spcAft>
+              <a:buClr>
+                <a:schemeClr val="lt2"/>
+              </a:buClr>
+              <a:buSzPts val="1800"/>
+              <a:buFont typeface="Arial"/>
+              <a:buNone/>
+              <a:defRPr sz="1800" b="0" i="0" u="none" strike="noStrike" cap="none">
+                <a:solidFill>
+                  <a:schemeClr val="lt2"/>
+                </a:solidFill>
+                <a:latin typeface="Arial"/>
+                <a:ea typeface="Arial"/>
+                <a:cs typeface="Arial"/>
+                <a:sym typeface="Arial"/>
+              </a:defRPr>
+            </a:lvl5pPr>
+            <a:lvl6pPr marR="0" lvl="5" algn="ctr" rtl="0">
+              <a:lnSpc>
+                <a:spcPct val="100000"/>
+              </a:lnSpc>
+              <a:spcBef>
+                <a:spcPts val="0"/>
+              </a:spcBef>
+              <a:spcAft>
+                <a:spcPts val="0"/>
+              </a:spcAft>
+              <a:buClr>
+                <a:schemeClr val="lt2"/>
+              </a:buClr>
+              <a:buSzPts val="1800"/>
+              <a:buFont typeface="Arial"/>
+              <a:buNone/>
+              <a:defRPr sz="1800" b="0" i="0" u="none" strike="noStrike" cap="none">
+                <a:solidFill>
+                  <a:schemeClr val="lt2"/>
+                </a:solidFill>
+                <a:latin typeface="Arial"/>
+                <a:ea typeface="Arial"/>
+                <a:cs typeface="Arial"/>
+                <a:sym typeface="Arial"/>
+              </a:defRPr>
+            </a:lvl6pPr>
+            <a:lvl7pPr marR="0" lvl="6" algn="ctr" rtl="0">
+              <a:lnSpc>
+                <a:spcPct val="100000"/>
+              </a:lnSpc>
+              <a:spcBef>
+                <a:spcPts val="0"/>
+              </a:spcBef>
+              <a:spcAft>
+                <a:spcPts val="0"/>
+              </a:spcAft>
+              <a:buClr>
+                <a:schemeClr val="lt2"/>
+              </a:buClr>
+              <a:buSzPts val="1800"/>
+              <a:buFont typeface="Arial"/>
+              <a:buNone/>
+              <a:defRPr sz="1800" b="0" i="0" u="none" strike="noStrike" cap="none">
+                <a:solidFill>
+                  <a:schemeClr val="lt2"/>
+                </a:solidFill>
+                <a:latin typeface="Arial"/>
+                <a:ea typeface="Arial"/>
+                <a:cs typeface="Arial"/>
+                <a:sym typeface="Arial"/>
+              </a:defRPr>
+            </a:lvl7pPr>
+            <a:lvl8pPr marR="0" lvl="7" algn="ctr" rtl="0">
+              <a:lnSpc>
+                <a:spcPct val="100000"/>
+              </a:lnSpc>
+              <a:spcBef>
+                <a:spcPts val="0"/>
+              </a:spcBef>
+              <a:spcAft>
+                <a:spcPts val="0"/>
+              </a:spcAft>
+              <a:buClr>
+                <a:schemeClr val="lt2"/>
+              </a:buClr>
+              <a:buSzPts val="1800"/>
+              <a:buFont typeface="Arial"/>
+              <a:buNone/>
+              <a:defRPr sz="1800" b="0" i="0" u="none" strike="noStrike" cap="none">
+                <a:solidFill>
+                  <a:schemeClr val="lt2"/>
+                </a:solidFill>
+                <a:latin typeface="Arial"/>
+                <a:ea typeface="Arial"/>
+                <a:cs typeface="Arial"/>
+                <a:sym typeface="Arial"/>
+              </a:defRPr>
+            </a:lvl8pPr>
+            <a:lvl9pPr marR="0" lvl="8" algn="ctr" rtl="0">
+              <a:lnSpc>
+                <a:spcPct val="100000"/>
+              </a:lnSpc>
+              <a:spcBef>
+                <a:spcPts val="0"/>
+              </a:spcBef>
+              <a:spcAft>
+                <a:spcPts val="0"/>
+              </a:spcAft>
+              <a:buClr>
+                <a:schemeClr val="lt2"/>
+              </a:buClr>
+              <a:buSzPts val="1800"/>
+              <a:buFont typeface="Arial"/>
+              <a:buNone/>
+              <a:defRPr sz="1800" b="0" i="0" u="none" strike="noStrike" cap="none">
+                <a:solidFill>
+                  <a:schemeClr val="lt2"/>
+                </a:solidFill>
+                <a:latin typeface="Arial"/>
+                <a:ea typeface="Arial"/>
+                <a:cs typeface="Arial"/>
+                <a:sym typeface="Arial"/>
+              </a:defRPr>
+            </a:lvl9pPr>
+          </a:lstStyle>
+          <a:p>
+            <a:r>
+              <a:rPr lang="es-ES"/>
+              <a:t>Anxo Casal</a:t>
+            </a:r>
+            <a:endParaRPr lang="es-ES" dirty="0"/>
+          </a:p>
+        </p:txBody>
+      </p:sp>
+      <p:sp>
+        <p:nvSpPr>
+          <p:cNvPr id="8" name="Título 24">
+            <a:extLst>
+              <a:ext uri="{FF2B5EF4-FFF2-40B4-BE49-F238E27FC236}">
+                <a16:creationId xmlns:a16="http://schemas.microsoft.com/office/drawing/2014/main" id="{0C7D852F-7942-3CFD-E0BD-9A9B2827356F}"/>
+              </a:ext>
+            </a:extLst>
+          </p:cNvPr>
+          <p:cNvSpPr txBox="1">
+            <a:spLocks/>
+          </p:cNvSpPr>
+          <p:nvPr/>
+        </p:nvSpPr>
+        <p:spPr>
+          <a:xfrm>
+            <a:off x="749751" y="1103377"/>
+            <a:ext cx="2214000" cy="539700"/>
+          </a:xfrm>
+          <a:prstGeom prst="rect">
+            <a:avLst/>
+          </a:prstGeom>
+          <a:noFill/>
+          <a:ln>
+            <a:noFill/>
+          </a:ln>
+        </p:spPr>
+        <p:txBody>
+          <a:bodyPr spcFirstLastPara="1" wrap="square" lIns="91425" tIns="91425" rIns="91425" bIns="91425" anchor="b" anchorCtr="0">
+            <a:noAutofit/>
+          </a:bodyPr>
+          <a:lstStyle>
+            <a:defPPr marR="0" lvl="0" algn="l" rtl="0">
+              <a:lnSpc>
+                <a:spcPct val="100000"/>
+              </a:lnSpc>
+              <a:spcBef>
+                <a:spcPts val="0"/>
+              </a:spcBef>
+              <a:spcAft>
+                <a:spcPts val="0"/>
+              </a:spcAft>
+            </a:defPPr>
+            <a:lvl1pPr marR="0" lvl="0" algn="ctr" rtl="0">
+              <a:lnSpc>
+                <a:spcPct val="100000"/>
+              </a:lnSpc>
+              <a:spcBef>
+                <a:spcPts val="0"/>
+              </a:spcBef>
+              <a:spcAft>
+                <a:spcPts val="0"/>
+              </a:spcAft>
+              <a:buClr>
+                <a:schemeClr val="lt2"/>
+              </a:buClr>
+              <a:buSzPts val="1800"/>
+              <a:buFont typeface="Viga"/>
+              <a:buNone/>
+              <a:defRPr sz="1800" b="0" i="0" u="none" strike="noStrike" cap="none">
+                <a:solidFill>
+                  <a:schemeClr val="lt2"/>
+                </a:solidFill>
+                <a:latin typeface="Viga"/>
+                <a:ea typeface="Viga"/>
+                <a:cs typeface="Viga"/>
+                <a:sym typeface="Viga"/>
+              </a:defRPr>
+            </a:lvl1pPr>
+            <a:lvl2pPr marR="0" lvl="1" algn="ctr" rtl="0">
+              <a:lnSpc>
+                <a:spcPct val="100000"/>
+              </a:lnSpc>
+              <a:spcBef>
+                <a:spcPts val="0"/>
+              </a:spcBef>
+              <a:spcAft>
+                <a:spcPts val="0"/>
+              </a:spcAft>
+              <a:buClr>
+                <a:schemeClr val="lt2"/>
+              </a:buClr>
+              <a:buSzPts val="1800"/>
+              <a:buFont typeface="Arial"/>
+              <a:buNone/>
+              <a:defRPr sz="1800" b="0" i="0" u="none" strike="noStrike" cap="none">
+                <a:solidFill>
+                  <a:schemeClr val="lt2"/>
+                </a:solidFill>
+                <a:latin typeface="Arial"/>
+                <a:ea typeface="Arial"/>
+                <a:cs typeface="Arial"/>
+                <a:sym typeface="Arial"/>
+              </a:defRPr>
+            </a:lvl2pPr>
+            <a:lvl3pPr marR="0" lvl="2" algn="ctr" rtl="0">
+              <a:lnSpc>
+                <a:spcPct val="100000"/>
+              </a:lnSpc>
+              <a:spcBef>
+                <a:spcPts val="0"/>
+              </a:spcBef>
+              <a:spcAft>
+                <a:spcPts val="0"/>
+              </a:spcAft>
+              <a:buClr>
+                <a:schemeClr val="lt2"/>
+              </a:buClr>
+              <a:buSzPts val="1800"/>
+              <a:buFont typeface="Arial"/>
+              <a:buNone/>
+              <a:defRPr sz="1800" b="0" i="0" u="none" strike="noStrike" cap="none">
+                <a:solidFill>
+                  <a:schemeClr val="lt2"/>
+                </a:solidFill>
+                <a:latin typeface="Arial"/>
+                <a:ea typeface="Arial"/>
+                <a:cs typeface="Arial"/>
+                <a:sym typeface="Arial"/>
+              </a:defRPr>
+            </a:lvl3pPr>
+            <a:lvl4pPr marR="0" lvl="3" algn="ctr" rtl="0">
+              <a:lnSpc>
+                <a:spcPct val="100000"/>
+              </a:lnSpc>
+              <a:spcBef>
+                <a:spcPts val="0"/>
+              </a:spcBef>
+              <a:spcAft>
+                <a:spcPts val="0"/>
+              </a:spcAft>
+              <a:buClr>
+                <a:schemeClr val="lt2"/>
+              </a:buClr>
+              <a:buSzPts val="1800"/>
+              <a:buFont typeface="Arial"/>
+              <a:buNone/>
+              <a:defRPr sz="1800" b="0" i="0" u="none" strike="noStrike" cap="none">
+                <a:solidFill>
+                  <a:schemeClr val="lt2"/>
+                </a:solidFill>
+                <a:latin typeface="Arial"/>
+                <a:ea typeface="Arial"/>
+                <a:cs typeface="Arial"/>
+                <a:sym typeface="Arial"/>
+              </a:defRPr>
+            </a:lvl4pPr>
+            <a:lvl5pPr marR="0" lvl="4" algn="ctr" rtl="0">
+              <a:lnSpc>
+                <a:spcPct val="100000"/>
+              </a:lnSpc>
+              <a:spcBef>
+                <a:spcPts val="0"/>
+              </a:spcBef>
+              <a:spcAft>
+                <a:spcPts val="0"/>
+              </a:spcAft>
+              <a:buClr>
+                <a:schemeClr val="lt2"/>
+              </a:buClr>
+              <a:buSzPts val="1800"/>
+              <a:buFont typeface="Arial"/>
+              <a:buNone/>
+              <a:defRPr sz="1800" b="0" i="0" u="none" strike="noStrike" cap="none">
+                <a:solidFill>
+                  <a:schemeClr val="lt2"/>
+                </a:solidFill>
+                <a:latin typeface="Arial"/>
+                <a:ea typeface="Arial"/>
+                <a:cs typeface="Arial"/>
+                <a:sym typeface="Arial"/>
+              </a:defRPr>
+            </a:lvl5pPr>
+            <a:lvl6pPr marR="0" lvl="5" algn="ctr" rtl="0">
+              <a:lnSpc>
+                <a:spcPct val="100000"/>
+              </a:lnSpc>
+              <a:spcBef>
+                <a:spcPts val="0"/>
+              </a:spcBef>
+              <a:spcAft>
+                <a:spcPts val="0"/>
+              </a:spcAft>
+              <a:buClr>
+                <a:schemeClr val="lt2"/>
+              </a:buClr>
+              <a:buSzPts val="1800"/>
+              <a:buFont typeface="Arial"/>
+              <a:buNone/>
+              <a:defRPr sz="1800" b="0" i="0" u="none" strike="noStrike" cap="none">
+                <a:solidFill>
+                  <a:schemeClr val="lt2"/>
+                </a:solidFill>
+                <a:latin typeface="Arial"/>
+                <a:ea typeface="Arial"/>
+                <a:cs typeface="Arial"/>
+                <a:sym typeface="Arial"/>
+              </a:defRPr>
+            </a:lvl6pPr>
+            <a:lvl7pPr marR="0" lvl="6" algn="ctr" rtl="0">
+              <a:lnSpc>
+                <a:spcPct val="100000"/>
+              </a:lnSpc>
+              <a:spcBef>
+                <a:spcPts val="0"/>
+              </a:spcBef>
+              <a:spcAft>
+                <a:spcPts val="0"/>
+              </a:spcAft>
+              <a:buClr>
+                <a:schemeClr val="lt2"/>
+              </a:buClr>
+              <a:buSzPts val="1800"/>
+              <a:buFont typeface="Arial"/>
+              <a:buNone/>
+              <a:defRPr sz="1800" b="0" i="0" u="none" strike="noStrike" cap="none">
+                <a:solidFill>
+                  <a:schemeClr val="lt2"/>
+                </a:solidFill>
+                <a:latin typeface="Arial"/>
+                <a:ea typeface="Arial"/>
+                <a:cs typeface="Arial"/>
+                <a:sym typeface="Arial"/>
+              </a:defRPr>
+            </a:lvl7pPr>
+            <a:lvl8pPr marR="0" lvl="7" algn="ctr" rtl="0">
+              <a:lnSpc>
+                <a:spcPct val="100000"/>
+              </a:lnSpc>
+              <a:spcBef>
+                <a:spcPts val="0"/>
+              </a:spcBef>
+              <a:spcAft>
+                <a:spcPts val="0"/>
+              </a:spcAft>
+              <a:buClr>
+                <a:schemeClr val="lt2"/>
+              </a:buClr>
+              <a:buSzPts val="1800"/>
+              <a:buFont typeface="Arial"/>
+              <a:buNone/>
+              <a:defRPr sz="1800" b="0" i="0" u="none" strike="noStrike" cap="none">
+                <a:solidFill>
+                  <a:schemeClr val="lt2"/>
+                </a:solidFill>
+                <a:latin typeface="Arial"/>
+                <a:ea typeface="Arial"/>
+                <a:cs typeface="Arial"/>
+                <a:sym typeface="Arial"/>
+              </a:defRPr>
+            </a:lvl8pPr>
+            <a:lvl9pPr marR="0" lvl="8" algn="ctr" rtl="0">
+              <a:lnSpc>
+                <a:spcPct val="100000"/>
+              </a:lnSpc>
+              <a:spcBef>
+                <a:spcPts val="0"/>
+              </a:spcBef>
+              <a:spcAft>
+                <a:spcPts val="0"/>
+              </a:spcAft>
+              <a:buClr>
+                <a:schemeClr val="lt2"/>
+              </a:buClr>
+              <a:buSzPts val="1800"/>
+              <a:buFont typeface="Arial"/>
+              <a:buNone/>
+              <a:defRPr sz="1800" b="0" i="0" u="none" strike="noStrike" cap="none">
+                <a:solidFill>
+                  <a:schemeClr val="lt2"/>
+                </a:solidFill>
+                <a:latin typeface="Arial"/>
+                <a:ea typeface="Arial"/>
+                <a:cs typeface="Arial"/>
+                <a:sym typeface="Arial"/>
+              </a:defRPr>
+            </a:lvl9pPr>
+          </a:lstStyle>
+          <a:p>
+            <a:r>
+              <a:rPr lang="es-ES"/>
+              <a:t>Alejandro García</a:t>
+            </a:r>
+            <a:endParaRPr lang="es-ES" dirty="0"/>
+          </a:p>
+        </p:txBody>
+      </p:sp>
+      <p:sp>
+        <p:nvSpPr>
+          <p:cNvPr id="10" name="Título 24">
+            <a:extLst>
+              <a:ext uri="{FF2B5EF4-FFF2-40B4-BE49-F238E27FC236}">
+                <a16:creationId xmlns:a16="http://schemas.microsoft.com/office/drawing/2014/main" id="{88C1CE4E-0A74-7EC2-54DC-21573689B758}"/>
+              </a:ext>
+            </a:extLst>
+          </p:cNvPr>
+          <p:cNvSpPr txBox="1">
+            <a:spLocks/>
+          </p:cNvSpPr>
+          <p:nvPr/>
+        </p:nvSpPr>
+        <p:spPr>
+          <a:xfrm>
+            <a:off x="6180249" y="1103377"/>
+            <a:ext cx="2214000" cy="539700"/>
+          </a:xfrm>
+          <a:prstGeom prst="rect">
+            <a:avLst/>
+          </a:prstGeom>
+          <a:noFill/>
+          <a:ln>
+            <a:noFill/>
+          </a:ln>
+        </p:spPr>
+        <p:txBody>
+          <a:bodyPr spcFirstLastPara="1" wrap="square" lIns="91425" tIns="91425" rIns="91425" bIns="91425" anchor="b" anchorCtr="0">
+            <a:noAutofit/>
+          </a:bodyPr>
+          <a:lstStyle>
+            <a:defPPr marR="0" lvl="0" algn="l" rtl="0">
+              <a:lnSpc>
+                <a:spcPct val="100000"/>
+              </a:lnSpc>
+              <a:spcBef>
+                <a:spcPts val="0"/>
+              </a:spcBef>
+              <a:spcAft>
+                <a:spcPts val="0"/>
+              </a:spcAft>
+            </a:defPPr>
+            <a:lvl1pPr marR="0" lvl="0" algn="ctr" rtl="0">
+              <a:lnSpc>
+                <a:spcPct val="100000"/>
+              </a:lnSpc>
+              <a:spcBef>
+                <a:spcPts val="0"/>
+              </a:spcBef>
+              <a:spcAft>
+                <a:spcPts val="0"/>
+              </a:spcAft>
+              <a:buClr>
+                <a:schemeClr val="lt2"/>
+              </a:buClr>
+              <a:buSzPts val="1800"/>
+              <a:buFont typeface="Viga"/>
+              <a:buNone/>
+              <a:defRPr sz="1800" b="0" i="0" u="none" strike="noStrike" cap="none">
+                <a:solidFill>
+                  <a:schemeClr val="lt2"/>
+                </a:solidFill>
+                <a:latin typeface="Viga"/>
+                <a:ea typeface="Viga"/>
+                <a:cs typeface="Viga"/>
+                <a:sym typeface="Viga"/>
+              </a:defRPr>
+            </a:lvl1pPr>
+            <a:lvl2pPr marR="0" lvl="1" algn="ctr" rtl="0">
+              <a:lnSpc>
+                <a:spcPct val="100000"/>
+              </a:lnSpc>
+              <a:spcBef>
+                <a:spcPts val="0"/>
+              </a:spcBef>
+              <a:spcAft>
+                <a:spcPts val="0"/>
+              </a:spcAft>
+              <a:buClr>
+                <a:schemeClr val="lt2"/>
+              </a:buClr>
+              <a:buSzPts val="1800"/>
+              <a:buFont typeface="Arial"/>
+              <a:buNone/>
+              <a:defRPr sz="1800" b="0" i="0" u="none" strike="noStrike" cap="none">
+                <a:solidFill>
+                  <a:schemeClr val="lt2"/>
+                </a:solidFill>
+                <a:latin typeface="Arial"/>
+                <a:ea typeface="Arial"/>
+                <a:cs typeface="Arial"/>
+                <a:sym typeface="Arial"/>
+              </a:defRPr>
+            </a:lvl2pPr>
+            <a:lvl3pPr marR="0" lvl="2" algn="ctr" rtl="0">
+              <a:lnSpc>
+                <a:spcPct val="100000"/>
+              </a:lnSpc>
+              <a:spcBef>
+                <a:spcPts val="0"/>
+              </a:spcBef>
+              <a:spcAft>
+                <a:spcPts val="0"/>
+              </a:spcAft>
+              <a:buClr>
+                <a:schemeClr val="lt2"/>
+              </a:buClr>
+              <a:buSzPts val="1800"/>
+              <a:buFont typeface="Arial"/>
+              <a:buNone/>
+              <a:defRPr sz="1800" b="0" i="0" u="none" strike="noStrike" cap="none">
+                <a:solidFill>
+                  <a:schemeClr val="lt2"/>
+                </a:solidFill>
+                <a:latin typeface="Arial"/>
+                <a:ea typeface="Arial"/>
+                <a:cs typeface="Arial"/>
+                <a:sym typeface="Arial"/>
+              </a:defRPr>
+            </a:lvl3pPr>
+            <a:lvl4pPr marR="0" lvl="3" algn="ctr" rtl="0">
+              <a:lnSpc>
+                <a:spcPct val="100000"/>
+              </a:lnSpc>
+              <a:spcBef>
+                <a:spcPts val="0"/>
+              </a:spcBef>
+              <a:spcAft>
+                <a:spcPts val="0"/>
+              </a:spcAft>
+              <a:buClr>
+                <a:schemeClr val="lt2"/>
+              </a:buClr>
+              <a:buSzPts val="1800"/>
+              <a:buFont typeface="Arial"/>
+              <a:buNone/>
+              <a:defRPr sz="1800" b="0" i="0" u="none" strike="noStrike" cap="none">
+                <a:solidFill>
+                  <a:schemeClr val="lt2"/>
+                </a:solidFill>
+                <a:latin typeface="Arial"/>
+                <a:ea typeface="Arial"/>
+                <a:cs typeface="Arial"/>
+                <a:sym typeface="Arial"/>
+              </a:defRPr>
+            </a:lvl4pPr>
+            <a:lvl5pPr marR="0" lvl="4" algn="ctr" rtl="0">
+              <a:lnSpc>
+                <a:spcPct val="100000"/>
+              </a:lnSpc>
+              <a:spcBef>
+                <a:spcPts val="0"/>
+              </a:spcBef>
+              <a:spcAft>
+                <a:spcPts val="0"/>
+              </a:spcAft>
+              <a:buClr>
+                <a:schemeClr val="lt2"/>
+              </a:buClr>
+              <a:buSzPts val="1800"/>
+              <a:buFont typeface="Arial"/>
+              <a:buNone/>
+              <a:defRPr sz="1800" b="0" i="0" u="none" strike="noStrike" cap="none">
+                <a:solidFill>
+                  <a:schemeClr val="lt2"/>
+                </a:solidFill>
+                <a:latin typeface="Arial"/>
+                <a:ea typeface="Arial"/>
+                <a:cs typeface="Arial"/>
+                <a:sym typeface="Arial"/>
+              </a:defRPr>
+            </a:lvl5pPr>
+            <a:lvl6pPr marR="0" lvl="5" algn="ctr" rtl="0">
+              <a:lnSpc>
+                <a:spcPct val="100000"/>
+              </a:lnSpc>
+              <a:spcBef>
+                <a:spcPts val="0"/>
+              </a:spcBef>
+              <a:spcAft>
+                <a:spcPts val="0"/>
+              </a:spcAft>
+              <a:buClr>
+                <a:schemeClr val="lt2"/>
+              </a:buClr>
+              <a:buSzPts val="1800"/>
+              <a:buFont typeface="Arial"/>
+              <a:buNone/>
+              <a:defRPr sz="1800" b="0" i="0" u="none" strike="noStrike" cap="none">
+                <a:solidFill>
+                  <a:schemeClr val="lt2"/>
+                </a:solidFill>
+                <a:latin typeface="Arial"/>
+                <a:ea typeface="Arial"/>
+                <a:cs typeface="Arial"/>
+                <a:sym typeface="Arial"/>
+              </a:defRPr>
+            </a:lvl6pPr>
+            <a:lvl7pPr marR="0" lvl="6" algn="ctr" rtl="0">
+              <a:lnSpc>
+                <a:spcPct val="100000"/>
+              </a:lnSpc>
+              <a:spcBef>
+                <a:spcPts val="0"/>
+              </a:spcBef>
+              <a:spcAft>
+                <a:spcPts val="0"/>
+              </a:spcAft>
+              <a:buClr>
+                <a:schemeClr val="lt2"/>
+              </a:buClr>
+              <a:buSzPts val="1800"/>
+              <a:buFont typeface="Arial"/>
+              <a:buNone/>
+              <a:defRPr sz="1800" b="0" i="0" u="none" strike="noStrike" cap="none">
+                <a:solidFill>
+                  <a:schemeClr val="lt2"/>
+                </a:solidFill>
+                <a:latin typeface="Arial"/>
+                <a:ea typeface="Arial"/>
+                <a:cs typeface="Arial"/>
+                <a:sym typeface="Arial"/>
+              </a:defRPr>
+            </a:lvl7pPr>
+            <a:lvl8pPr marR="0" lvl="7" algn="ctr" rtl="0">
+              <a:lnSpc>
+                <a:spcPct val="100000"/>
+              </a:lnSpc>
+              <a:spcBef>
+                <a:spcPts val="0"/>
+              </a:spcBef>
+              <a:spcAft>
+                <a:spcPts val="0"/>
+              </a:spcAft>
+              <a:buClr>
+                <a:schemeClr val="lt2"/>
+              </a:buClr>
+              <a:buSzPts val="1800"/>
+              <a:buFont typeface="Arial"/>
+              <a:buNone/>
+              <a:defRPr sz="1800" b="0" i="0" u="none" strike="noStrike" cap="none">
+                <a:solidFill>
+                  <a:schemeClr val="lt2"/>
+                </a:solidFill>
+                <a:latin typeface="Arial"/>
+                <a:ea typeface="Arial"/>
+                <a:cs typeface="Arial"/>
+                <a:sym typeface="Arial"/>
+              </a:defRPr>
+            </a:lvl8pPr>
+            <a:lvl9pPr marR="0" lvl="8" algn="ctr" rtl="0">
+              <a:lnSpc>
+                <a:spcPct val="100000"/>
+              </a:lnSpc>
+              <a:spcBef>
+                <a:spcPts val="0"/>
+              </a:spcBef>
+              <a:spcAft>
+                <a:spcPts val="0"/>
+              </a:spcAft>
+              <a:buClr>
+                <a:schemeClr val="lt2"/>
+              </a:buClr>
+              <a:buSzPts val="1800"/>
+              <a:buFont typeface="Arial"/>
+              <a:buNone/>
+              <a:defRPr sz="1800" b="0" i="0" u="none" strike="noStrike" cap="none">
+                <a:solidFill>
+                  <a:schemeClr val="lt2"/>
+                </a:solidFill>
+                <a:latin typeface="Arial"/>
+                <a:ea typeface="Arial"/>
+                <a:cs typeface="Arial"/>
+                <a:sym typeface="Arial"/>
+              </a:defRPr>
+            </a:lvl9pPr>
+          </a:lstStyle>
+          <a:p>
+            <a:r>
+              <a:rPr lang="es-ES"/>
+              <a:t>Iago Nuñez</a:t>
+            </a:r>
+            <a:endParaRPr lang="es-ES" dirty="0"/>
+          </a:p>
+        </p:txBody>
+      </p:sp>
+      <p:pic>
+        <p:nvPicPr>
+          <p:cNvPr id="19" name="Imagen 18" descr="Hombre con camiseta blanca&#10;&#10;Descripción generada automáticamente">
+            <a:extLst>
+              <a:ext uri="{FF2B5EF4-FFF2-40B4-BE49-F238E27FC236}">
+                <a16:creationId xmlns:a16="http://schemas.microsoft.com/office/drawing/2014/main" id="{AA8CC8D1-DD41-D412-C92D-CC755B7FC7C5}"/>
+              </a:ext>
+            </a:extLst>
+          </p:cNvPr>
+          <p:cNvPicPr>
+            <a:picLocks noChangeAspect="1"/>
+          </p:cNvPicPr>
+          <p:nvPr/>
+        </p:nvPicPr>
+        <p:blipFill rotWithShape="1">
+          <a:blip r:embed="rId3"/>
+          <a:srcRect t="21164" b="6031"/>
+          <a:stretch/>
+        </p:blipFill>
+        <p:spPr>
+          <a:xfrm>
+            <a:off x="6207249" y="1790816"/>
+            <a:ext cx="2160000" cy="2088571"/>
+          </a:xfrm>
+          <a:prstGeom prst="flowChartConnector">
+            <a:avLst/>
+          </a:prstGeom>
+        </p:spPr>
+      </p:pic>
+      <p:pic>
+        <p:nvPicPr>
+          <p:cNvPr id="22" name="Imagen 21" descr="Un hombre con una camisa gris&#10;&#10;Descripción generada automáticamente">
+            <a:extLst>
+              <a:ext uri="{FF2B5EF4-FFF2-40B4-BE49-F238E27FC236}">
+                <a16:creationId xmlns:a16="http://schemas.microsoft.com/office/drawing/2014/main" id="{A5C6BB15-2BD9-3B10-8B64-9C87F6BE9423}"/>
+              </a:ext>
+            </a:extLst>
+          </p:cNvPr>
+          <p:cNvPicPr>
+            <a:picLocks noChangeAspect="1"/>
+          </p:cNvPicPr>
+          <p:nvPr/>
+        </p:nvPicPr>
+        <p:blipFill rotWithShape="1">
+          <a:blip r:embed="rId4"/>
+          <a:srcRect t="25256"/>
+          <a:stretch/>
+        </p:blipFill>
+        <p:spPr>
+          <a:xfrm>
+            <a:off x="777702" y="1747215"/>
+            <a:ext cx="2160000" cy="2144226"/>
+          </a:xfrm>
+          <a:prstGeom prst="flowChartConnector">
+            <a:avLst/>
+          </a:prstGeom>
+        </p:spPr>
+      </p:pic>
+      <p:pic>
+        <p:nvPicPr>
+          <p:cNvPr id="24" name="Imagen 23" descr="Un hombre con una camisa azul&#10;&#10;Descripción generada automáticamente">
+            <a:extLst>
+              <a:ext uri="{FF2B5EF4-FFF2-40B4-BE49-F238E27FC236}">
+                <a16:creationId xmlns:a16="http://schemas.microsoft.com/office/drawing/2014/main" id="{FE7BEDF7-30D2-EC39-A181-20B048E2A949}"/>
+              </a:ext>
+            </a:extLst>
+          </p:cNvPr>
+          <p:cNvPicPr>
+            <a:picLocks noChangeAspect="1"/>
+          </p:cNvPicPr>
+          <p:nvPr/>
+        </p:nvPicPr>
+        <p:blipFill rotWithShape="1">
+          <a:blip r:embed="rId5"/>
+          <a:srcRect l="5776" t="26808" r="5776" b="6575"/>
+          <a:stretch/>
+        </p:blipFill>
+        <p:spPr>
+          <a:xfrm>
+            <a:off x="3492822" y="1731441"/>
+            <a:ext cx="2159307" cy="2160000"/>
+          </a:xfrm>
+          <a:prstGeom prst="flowChartConnector">
+            <a:avLst/>
+          </a:prstGeom>
+        </p:spPr>
+      </p:pic>
+      <p:pic>
+        <p:nvPicPr>
+          <p:cNvPr id="27" name="Imagen 26" descr="Icono&#10;&#10;Descripción generada automáticamente">
+            <a:hlinkClick r:id="rId6"/>
+            <a:extLst>
+              <a:ext uri="{FF2B5EF4-FFF2-40B4-BE49-F238E27FC236}">
+                <a16:creationId xmlns:a16="http://schemas.microsoft.com/office/drawing/2014/main" id="{C43BA73B-8783-3717-E807-60F4B332CE74}"/>
+              </a:ext>
+            </a:extLst>
+          </p:cNvPr>
+          <p:cNvPicPr>
+            <a:picLocks noChangeAspect="1"/>
+          </p:cNvPicPr>
+          <p:nvPr/>
+        </p:nvPicPr>
+        <p:blipFill>
+          <a:blip r:embed="rId7"/>
+          <a:stretch>
+            <a:fillRect/>
+          </a:stretch>
+        </p:blipFill>
+        <p:spPr>
+          <a:xfrm>
+            <a:off x="1492617" y="4175579"/>
+            <a:ext cx="728267" cy="728267"/>
+          </a:xfrm>
+          <a:prstGeom prst="rect">
+            <a:avLst/>
+          </a:prstGeom>
+        </p:spPr>
+      </p:pic>
+      <p:pic>
+        <p:nvPicPr>
+          <p:cNvPr id="28" name="Imagen 27" descr="Icono&#10;&#10;Descripción generada automáticamente">
+            <a:hlinkClick r:id="rId8"/>
+            <a:extLst>
+              <a:ext uri="{FF2B5EF4-FFF2-40B4-BE49-F238E27FC236}">
+                <a16:creationId xmlns:a16="http://schemas.microsoft.com/office/drawing/2014/main" id="{0A134D86-EF75-4519-2C7B-BB9568BA260A}"/>
+              </a:ext>
+            </a:extLst>
+          </p:cNvPr>
+          <p:cNvPicPr>
+            <a:picLocks noChangeAspect="1"/>
+          </p:cNvPicPr>
+          <p:nvPr/>
+        </p:nvPicPr>
+        <p:blipFill>
+          <a:blip r:embed="rId7"/>
+          <a:stretch>
+            <a:fillRect/>
+          </a:stretch>
+        </p:blipFill>
+        <p:spPr>
+          <a:xfrm>
+            <a:off x="4207866" y="4212961"/>
+            <a:ext cx="728267" cy="728267"/>
+          </a:xfrm>
+          <a:prstGeom prst="rect">
+            <a:avLst/>
+          </a:prstGeom>
+        </p:spPr>
+      </p:pic>
+      <p:pic>
+        <p:nvPicPr>
+          <p:cNvPr id="29" name="Imagen 28" descr="Icono&#10;&#10;Descripción generada automáticamente">
+            <a:hlinkClick r:id="rId9"/>
+            <a:extLst>
+              <a:ext uri="{FF2B5EF4-FFF2-40B4-BE49-F238E27FC236}">
+                <a16:creationId xmlns:a16="http://schemas.microsoft.com/office/drawing/2014/main" id="{9FFFFA1C-A583-56CB-E05A-7D7F1D07569B}"/>
+              </a:ext>
+            </a:extLst>
+          </p:cNvPr>
+          <p:cNvPicPr>
+            <a:picLocks noChangeAspect="1"/>
+          </p:cNvPicPr>
+          <p:nvPr/>
+        </p:nvPicPr>
+        <p:blipFill>
+          <a:blip r:embed="rId7"/>
+          <a:stretch>
+            <a:fillRect/>
+          </a:stretch>
+        </p:blipFill>
+        <p:spPr>
+          <a:xfrm>
+            <a:off x="6923115" y="4175579"/>
+            <a:ext cx="728267" cy="728267"/>
+          </a:xfrm>
+          <a:prstGeom prst="rect">
+            <a:avLst/>
+          </a:prstGeom>
+        </p:spPr>
+      </p:pic>
+    </p:spTree>
+    <p:extLst>
+      <p:ext uri="{BB962C8B-B14F-4D97-AF65-F5344CB8AC3E}">
+        <p14:creationId xmlns:p14="http://schemas.microsoft.com/office/powerpoint/2010/main" val="2807341057"/>
+      </p:ext>
+    </p:extLst>
+  </p:cSld>
+  <p:clrMapOvr>
+    <a:masterClrMapping/>
+  </p:clrMapOvr>
+</p:sld>
+</file>
+
 <file path=ppt/slides/slide2.xml><?xml version="1.0" encoding="utf-8"?>
 <p:sld xmlns:a="http://schemas.openxmlformats.org/drawingml/2006/main" xmlns:r="http://schemas.openxmlformats.org/officeDocument/2006/relationships" xmlns:p="http://schemas.openxmlformats.org/presentationml/2006/main">
   <p:cSld>
@@ -30627,8 +32072,8 @@
               <a:buNone/>
             </a:pPr>
             <a:r>
-              <a:rPr lang="en" dirty="0"/>
-              <a:t>Bussiness</a:t>
+              <a:rPr lang="en"/>
+              <a:t>Business</a:t>
             </a:r>
             <a:endParaRPr dirty="0"/>
           </a:p>

--- a/Documentacion/Resumen_Proyecto.pptx
+++ b/Documentacion/Resumen_Proyecto.pptx
@@ -303,7 +303,7 @@
 <file path=ppt/revisionInfo.xml><?xml version="1.0" encoding="utf-8"?>
 <p1510:revInfo xmlns:a="http://schemas.openxmlformats.org/drawingml/2006/main" xmlns:r="http://schemas.openxmlformats.org/officeDocument/2006/relationships" xmlns:p1510="http://schemas.microsoft.com/office/powerpoint/2015/10/main">
   <p1510:revLst>
-    <p1510:client id="{E943E5C1-95CE-486C-92D7-129C80AE65D4}" v="140" dt="2024-06-18T09:40:07.918"/>
+    <p1510:client id="{E943E5C1-95CE-486C-92D7-129C80AE65D4}" v="144" dt="2024-06-18T10:03:54.786"/>
   </p1510:revLst>
 </p1510:revInfo>
 </file>
@@ -384,7 +384,7 @@
   <pc:docChgLst>
     <pc:chgData name="Anxo Casal Rodriguez" userId="4252bde8-bc8f-41dd-83f3-a4e65c95fbdf" providerId="ADAL" clId="{E943E5C1-95CE-486C-92D7-129C80AE65D4}"/>
     <pc:docChg chg="undo redo custSel addSld delSld modSld sldOrd delMainMaster">
-      <pc:chgData name="Anxo Casal Rodriguez" userId="4252bde8-bc8f-41dd-83f3-a4e65c95fbdf" providerId="ADAL" clId="{E943E5C1-95CE-486C-92D7-129C80AE65D4}" dt="2024-06-18T09:40:07.918" v="3849"/>
+      <pc:chgData name="Anxo Casal Rodriguez" userId="4252bde8-bc8f-41dd-83f3-a4e65c95fbdf" providerId="ADAL" clId="{E943E5C1-95CE-486C-92D7-129C80AE65D4}" dt="2024-06-18T10:03:54.786" v="3868"/>
       <pc:docMkLst>
         <pc:docMk/>
       </pc:docMkLst>
@@ -1743,8 +1743,8 @@
           <pc:sldMk cId="0" sldId="287"/>
         </pc:sldMkLst>
       </pc:sldChg>
-      <pc:sldChg chg="addSp delSp modSp add del mod chgLayout">
-        <pc:chgData name="Anxo Casal Rodriguez" userId="4252bde8-bc8f-41dd-83f3-a4e65c95fbdf" providerId="ADAL" clId="{E943E5C1-95CE-486C-92D7-129C80AE65D4}" dt="2024-06-17T22:11:44.265" v="3616" actId="20577"/>
+      <pc:sldChg chg="addSp delSp modSp add del mod ord chgLayout">
+        <pc:chgData name="Anxo Casal Rodriguez" userId="4252bde8-bc8f-41dd-83f3-a4e65c95fbdf" providerId="ADAL" clId="{E943E5C1-95CE-486C-92D7-129C80AE65D4}" dt="2024-06-18T10:02:22.331" v="3850" actId="20578"/>
         <pc:sldMkLst>
           <pc:docMk/>
           <pc:sldMk cId="0" sldId="288"/>
@@ -2261,117 +2261,6 @@
           </ac:picMkLst>
         </pc:picChg>
       </pc:sldChg>
-      <pc:sldChg chg="addSp delSp modSp add del mod">
-        <pc:chgData name="Anxo Casal Rodriguez" userId="4252bde8-bc8f-41dd-83f3-a4e65c95fbdf" providerId="ADAL" clId="{E943E5C1-95CE-486C-92D7-129C80AE65D4}" dt="2024-06-17T16:05:40.452" v="2200" actId="47"/>
-        <pc:sldMkLst>
-          <pc:docMk/>
-          <pc:sldMk cId="0" sldId="290"/>
-        </pc:sldMkLst>
-        <pc:spChg chg="add mod">
-          <ac:chgData name="Anxo Casal Rodriguez" userId="4252bde8-bc8f-41dd-83f3-a4e65c95fbdf" providerId="ADAL" clId="{E943E5C1-95CE-486C-92D7-129C80AE65D4}" dt="2024-06-17T16:03:16.277" v="2101" actId="1076"/>
-          <ac:spMkLst>
-            <pc:docMk/>
-            <pc:sldMk cId="0" sldId="290"/>
-            <ac:spMk id="2" creationId="{00000000-0000-0000-0000-000000000000}"/>
-          </ac:spMkLst>
-        </pc:spChg>
-        <pc:spChg chg="add del mod">
-          <ac:chgData name="Anxo Casal Rodriguez" userId="4252bde8-bc8f-41dd-83f3-a4e65c95fbdf" providerId="ADAL" clId="{E943E5C1-95CE-486C-92D7-129C80AE65D4}" dt="2024-06-17T16:04:06.815" v="2144" actId="478"/>
-          <ac:spMkLst>
-            <pc:docMk/>
-            <pc:sldMk cId="0" sldId="290"/>
-            <ac:spMk id="5" creationId="{F867EAD9-016A-3734-0BD0-58A109E4C9C8}"/>
-          </ac:spMkLst>
-        </pc:spChg>
-        <pc:spChg chg="mod">
-          <ac:chgData name="Anxo Casal Rodriguez" userId="4252bde8-bc8f-41dd-83f3-a4e65c95fbdf" providerId="ADAL" clId="{E943E5C1-95CE-486C-92D7-129C80AE65D4}" dt="2024-06-17T16:04:03.780" v="2143" actId="1076"/>
-          <ac:spMkLst>
-            <pc:docMk/>
-            <pc:sldMk cId="0" sldId="290"/>
-            <ac:spMk id="3012" creationId="{00000000-0000-0000-0000-000000000000}"/>
-          </ac:spMkLst>
-        </pc:spChg>
-        <pc:spChg chg="del mod">
-          <ac:chgData name="Anxo Casal Rodriguez" userId="4252bde8-bc8f-41dd-83f3-a4e65c95fbdf" providerId="ADAL" clId="{E943E5C1-95CE-486C-92D7-129C80AE65D4}" dt="2024-06-17T16:03:46.431" v="2113" actId="478"/>
-          <ac:spMkLst>
-            <pc:docMk/>
-            <pc:sldMk cId="0" sldId="290"/>
-            <ac:spMk id="3013" creationId="{00000000-0000-0000-0000-000000000000}"/>
-          </ac:spMkLst>
-        </pc:spChg>
-        <pc:spChg chg="del mod">
-          <ac:chgData name="Anxo Casal Rodriguez" userId="4252bde8-bc8f-41dd-83f3-a4e65c95fbdf" providerId="ADAL" clId="{E943E5C1-95CE-486C-92D7-129C80AE65D4}" dt="2024-06-17T16:03:08.387" v="2098" actId="21"/>
-          <ac:spMkLst>
-            <pc:docMk/>
-            <pc:sldMk cId="0" sldId="290"/>
-            <ac:spMk id="3015" creationId="{00000000-0000-0000-0000-000000000000}"/>
-          </ac:spMkLst>
-        </pc:spChg>
-        <pc:spChg chg="del">
-          <ac:chgData name="Anxo Casal Rodriguez" userId="4252bde8-bc8f-41dd-83f3-a4e65c95fbdf" providerId="ADAL" clId="{E943E5C1-95CE-486C-92D7-129C80AE65D4}" dt="2024-06-17T16:02:43.073" v="2091" actId="478"/>
-          <ac:spMkLst>
-            <pc:docMk/>
-            <pc:sldMk cId="0" sldId="290"/>
-            <ac:spMk id="3017" creationId="{00000000-0000-0000-0000-000000000000}"/>
-          </ac:spMkLst>
-        </pc:spChg>
-        <pc:spChg chg="del mod">
-          <ac:chgData name="Anxo Casal Rodriguez" userId="4252bde8-bc8f-41dd-83f3-a4e65c95fbdf" providerId="ADAL" clId="{E943E5C1-95CE-486C-92D7-129C80AE65D4}" dt="2024-06-17T16:02:57.597" v="2093" actId="478"/>
-          <ac:spMkLst>
-            <pc:docMk/>
-            <pc:sldMk cId="0" sldId="290"/>
-            <ac:spMk id="3023" creationId="{00000000-0000-0000-0000-000000000000}"/>
-          </ac:spMkLst>
-        </pc:spChg>
-        <pc:spChg chg="del">
-          <ac:chgData name="Anxo Casal Rodriguez" userId="4252bde8-bc8f-41dd-83f3-a4e65c95fbdf" providerId="ADAL" clId="{E943E5C1-95CE-486C-92D7-129C80AE65D4}" dt="2024-06-17T16:03:31.459" v="2108" actId="478"/>
-          <ac:spMkLst>
-            <pc:docMk/>
-            <pc:sldMk cId="0" sldId="290"/>
-            <ac:spMk id="3064" creationId="{00000000-0000-0000-0000-000000000000}"/>
-          </ac:spMkLst>
-        </pc:spChg>
-        <pc:spChg chg="del">
-          <ac:chgData name="Anxo Casal Rodriguez" userId="4252bde8-bc8f-41dd-83f3-a4e65c95fbdf" providerId="ADAL" clId="{E943E5C1-95CE-486C-92D7-129C80AE65D4}" dt="2024-06-17T16:03:34.115" v="2109" actId="478"/>
-          <ac:spMkLst>
-            <pc:docMk/>
-            <pc:sldMk cId="0" sldId="290"/>
-            <ac:spMk id="3075" creationId="{00000000-0000-0000-0000-000000000000}"/>
-          </ac:spMkLst>
-        </pc:spChg>
-        <pc:grpChg chg="add del mod">
-          <ac:chgData name="Anxo Casal Rodriguez" userId="4252bde8-bc8f-41dd-83f3-a4e65c95fbdf" providerId="ADAL" clId="{E943E5C1-95CE-486C-92D7-129C80AE65D4}" dt="2024-06-17T16:03:13.276" v="2099" actId="478"/>
-          <ac:grpSpMkLst>
-            <pc:docMk/>
-            <pc:sldMk cId="0" sldId="290"/>
-            <ac:grpSpMk id="3014" creationId="{00000000-0000-0000-0000-000000000000}"/>
-          </ac:grpSpMkLst>
-        </pc:grpChg>
-        <pc:grpChg chg="del">
-          <ac:chgData name="Anxo Casal Rodriguez" userId="4252bde8-bc8f-41dd-83f3-a4e65c95fbdf" providerId="ADAL" clId="{E943E5C1-95CE-486C-92D7-129C80AE65D4}" dt="2024-06-17T16:03:31.459" v="2108" actId="478"/>
-          <ac:grpSpMkLst>
-            <pc:docMk/>
-            <pc:sldMk cId="0" sldId="290"/>
-            <ac:grpSpMk id="3065" creationId="{00000000-0000-0000-0000-000000000000}"/>
-          </ac:grpSpMkLst>
-        </pc:grpChg>
-        <pc:grpChg chg="del">
-          <ac:chgData name="Anxo Casal Rodriguez" userId="4252bde8-bc8f-41dd-83f3-a4e65c95fbdf" providerId="ADAL" clId="{E943E5C1-95CE-486C-92D7-129C80AE65D4}" dt="2024-06-17T16:03:28.874" v="2106" actId="478"/>
-          <ac:grpSpMkLst>
-            <pc:docMk/>
-            <pc:sldMk cId="0" sldId="290"/>
-            <ac:grpSpMk id="3070" creationId="{00000000-0000-0000-0000-000000000000}"/>
-          </ac:grpSpMkLst>
-        </pc:grpChg>
-        <pc:picChg chg="add mod">
-          <ac:chgData name="Anxo Casal Rodriguez" userId="4252bde8-bc8f-41dd-83f3-a4e65c95fbdf" providerId="ADAL" clId="{E943E5C1-95CE-486C-92D7-129C80AE65D4}" dt="2024-06-17T16:04:25.964" v="2146" actId="1076"/>
-          <ac:picMkLst>
-            <pc:docMk/>
-            <pc:sldMk cId="0" sldId="290"/>
-            <ac:picMk id="3" creationId="{E099D95C-D0EE-C4B8-077D-14ABC6FA48A6}"/>
-          </ac:picMkLst>
-        </pc:picChg>
-      </pc:sldChg>
       <pc:sldChg chg="addSp delSp modSp add mod">
         <pc:chgData name="Anxo Casal Rodriguez" userId="4252bde8-bc8f-41dd-83f3-a4e65c95fbdf" providerId="ADAL" clId="{E943E5C1-95CE-486C-92D7-129C80AE65D4}" dt="2024-06-18T09:40:07.918" v="3849"/>
         <pc:sldMkLst>
@@ -2576,6 +2465,157 @@
             <pc:docMk/>
             <pc:sldMk cId="2807341057" sldId="290"/>
             <ac:picMk id="1032" creationId="{E130FC6D-8A61-BA2D-0BFD-A22E3925CBFA}"/>
+          </ac:picMkLst>
+        </pc:picChg>
+      </pc:sldChg>
+      <pc:sldChg chg="addSp delSp modSp add del mod">
+        <pc:chgData name="Anxo Casal Rodriguez" userId="4252bde8-bc8f-41dd-83f3-a4e65c95fbdf" providerId="ADAL" clId="{E943E5C1-95CE-486C-92D7-129C80AE65D4}" dt="2024-06-18T10:03:54.786" v="3868"/>
+        <pc:sldMkLst>
+          <pc:docMk/>
+          <pc:sldMk cId="2807341057" sldId="290"/>
+        </pc:sldMkLst>
+        <pc:spChg chg="add mod">
+          <ac:chgData name="Anxo Casal Rodriguez" userId="4252bde8-bc8f-41dd-83f3-a4e65c95fbdf" providerId="ADAL" clId="{E943E5C1-95CE-486C-92D7-129C80AE65D4}" dt="2024-06-17T16:03:16.277" v="2101" actId="1076"/>
+          <ac:spMkLst>
+            <pc:docMk/>
+            <pc:sldMk cId="2807341057" sldId="290"/>
+            <ac:spMk id="2" creationId="{00000000-0000-0000-0000-000000000000}"/>
+          </ac:spMkLst>
+        </pc:spChg>
+        <pc:spChg chg="add del mod">
+          <ac:chgData name="Anxo Casal Rodriguez" userId="4252bde8-bc8f-41dd-83f3-a4e65c95fbdf" providerId="ADAL" clId="{E943E5C1-95CE-486C-92D7-129C80AE65D4}" dt="2024-06-17T16:04:06.815" v="2144" actId="478"/>
+          <ac:spMkLst>
+            <pc:docMk/>
+            <pc:sldMk cId="2807341057" sldId="290"/>
+            <ac:spMk id="5" creationId="{F867EAD9-016A-3734-0BD0-58A109E4C9C8}"/>
+          </ac:spMkLst>
+        </pc:spChg>
+        <pc:spChg chg="mod">
+          <ac:chgData name="Anxo Casal Rodriguez" userId="4252bde8-bc8f-41dd-83f3-a4e65c95fbdf" providerId="ADAL" clId="{E943E5C1-95CE-486C-92D7-129C80AE65D4}" dt="2024-06-17T16:04:03.780" v="2143" actId="1076"/>
+          <ac:spMkLst>
+            <pc:docMk/>
+            <pc:sldMk cId="2807341057" sldId="290"/>
+            <ac:spMk id="3012" creationId="{00000000-0000-0000-0000-000000000000}"/>
+          </ac:spMkLst>
+        </pc:spChg>
+        <pc:spChg chg="del mod">
+          <ac:chgData name="Anxo Casal Rodriguez" userId="4252bde8-bc8f-41dd-83f3-a4e65c95fbdf" providerId="ADAL" clId="{E943E5C1-95CE-486C-92D7-129C80AE65D4}" dt="2024-06-17T16:03:46.431" v="2113" actId="478"/>
+          <ac:spMkLst>
+            <pc:docMk/>
+            <pc:sldMk cId="2807341057" sldId="290"/>
+            <ac:spMk id="3013" creationId="{00000000-0000-0000-0000-000000000000}"/>
+          </ac:spMkLst>
+        </pc:spChg>
+        <pc:spChg chg="del mod">
+          <ac:chgData name="Anxo Casal Rodriguez" userId="4252bde8-bc8f-41dd-83f3-a4e65c95fbdf" providerId="ADAL" clId="{E943E5C1-95CE-486C-92D7-129C80AE65D4}" dt="2024-06-17T16:03:08.387" v="2098" actId="21"/>
+          <ac:spMkLst>
+            <pc:docMk/>
+            <pc:sldMk cId="2807341057" sldId="290"/>
+            <ac:spMk id="3015" creationId="{00000000-0000-0000-0000-000000000000}"/>
+          </ac:spMkLst>
+        </pc:spChg>
+        <pc:spChg chg="del">
+          <ac:chgData name="Anxo Casal Rodriguez" userId="4252bde8-bc8f-41dd-83f3-a4e65c95fbdf" providerId="ADAL" clId="{E943E5C1-95CE-486C-92D7-129C80AE65D4}" dt="2024-06-17T16:02:43.073" v="2091" actId="478"/>
+          <ac:spMkLst>
+            <pc:docMk/>
+            <pc:sldMk cId="2807341057" sldId="290"/>
+            <ac:spMk id="3017" creationId="{00000000-0000-0000-0000-000000000000}"/>
+          </ac:spMkLst>
+        </pc:spChg>
+        <pc:spChg chg="del mod">
+          <ac:chgData name="Anxo Casal Rodriguez" userId="4252bde8-bc8f-41dd-83f3-a4e65c95fbdf" providerId="ADAL" clId="{E943E5C1-95CE-486C-92D7-129C80AE65D4}" dt="2024-06-17T16:02:57.597" v="2093" actId="478"/>
+          <ac:spMkLst>
+            <pc:docMk/>
+            <pc:sldMk cId="2807341057" sldId="290"/>
+            <ac:spMk id="3023" creationId="{00000000-0000-0000-0000-000000000000}"/>
+          </ac:spMkLst>
+        </pc:spChg>
+        <pc:spChg chg="del">
+          <ac:chgData name="Anxo Casal Rodriguez" userId="4252bde8-bc8f-41dd-83f3-a4e65c95fbdf" providerId="ADAL" clId="{E943E5C1-95CE-486C-92D7-129C80AE65D4}" dt="2024-06-17T16:03:31.459" v="2108" actId="478"/>
+          <ac:spMkLst>
+            <pc:docMk/>
+            <pc:sldMk cId="2807341057" sldId="290"/>
+            <ac:spMk id="3064" creationId="{00000000-0000-0000-0000-000000000000}"/>
+          </ac:spMkLst>
+        </pc:spChg>
+        <pc:spChg chg="del">
+          <ac:chgData name="Anxo Casal Rodriguez" userId="4252bde8-bc8f-41dd-83f3-a4e65c95fbdf" providerId="ADAL" clId="{E943E5C1-95CE-486C-92D7-129C80AE65D4}" dt="2024-06-17T16:03:34.115" v="2109" actId="478"/>
+          <ac:spMkLst>
+            <pc:docMk/>
+            <pc:sldMk cId="2807341057" sldId="290"/>
+            <ac:spMk id="3075" creationId="{00000000-0000-0000-0000-000000000000}"/>
+          </ac:spMkLst>
+        </pc:spChg>
+        <pc:grpChg chg="add del mod">
+          <ac:chgData name="Anxo Casal Rodriguez" userId="4252bde8-bc8f-41dd-83f3-a4e65c95fbdf" providerId="ADAL" clId="{E943E5C1-95CE-486C-92D7-129C80AE65D4}" dt="2024-06-17T16:03:13.276" v="2099" actId="478"/>
+          <ac:grpSpMkLst>
+            <pc:docMk/>
+            <pc:sldMk cId="2807341057" sldId="290"/>
+            <ac:grpSpMk id="3014" creationId="{00000000-0000-0000-0000-000000000000}"/>
+          </ac:grpSpMkLst>
+        </pc:grpChg>
+        <pc:grpChg chg="del">
+          <ac:chgData name="Anxo Casal Rodriguez" userId="4252bde8-bc8f-41dd-83f3-a4e65c95fbdf" providerId="ADAL" clId="{E943E5C1-95CE-486C-92D7-129C80AE65D4}" dt="2024-06-17T16:03:31.459" v="2108" actId="478"/>
+          <ac:grpSpMkLst>
+            <pc:docMk/>
+            <pc:sldMk cId="2807341057" sldId="290"/>
+            <ac:grpSpMk id="3065" creationId="{00000000-0000-0000-0000-000000000000}"/>
+          </ac:grpSpMkLst>
+        </pc:grpChg>
+        <pc:grpChg chg="del">
+          <ac:chgData name="Anxo Casal Rodriguez" userId="4252bde8-bc8f-41dd-83f3-a4e65c95fbdf" providerId="ADAL" clId="{E943E5C1-95CE-486C-92D7-129C80AE65D4}" dt="2024-06-17T16:03:28.874" v="2106" actId="478"/>
+          <ac:grpSpMkLst>
+            <pc:docMk/>
+            <pc:sldMk cId="2807341057" sldId="290"/>
+            <ac:grpSpMk id="3070" creationId="{00000000-0000-0000-0000-000000000000}"/>
+          </ac:grpSpMkLst>
+        </pc:grpChg>
+        <pc:picChg chg="add mod">
+          <ac:chgData name="Anxo Casal Rodriguez" userId="4252bde8-bc8f-41dd-83f3-a4e65c95fbdf" providerId="ADAL" clId="{E943E5C1-95CE-486C-92D7-129C80AE65D4}" dt="2024-06-18T10:03:54.786" v="3868"/>
+          <ac:picMkLst>
+            <pc:docMk/>
+            <pc:sldMk cId="2807341057" sldId="290"/>
+            <ac:picMk id="3" creationId="{8C07F72A-415C-66A1-2DB0-66448CF0C138}"/>
+          </ac:picMkLst>
+        </pc:picChg>
+        <pc:picChg chg="add mod">
+          <ac:chgData name="Anxo Casal Rodriguez" userId="4252bde8-bc8f-41dd-83f3-a4e65c95fbdf" providerId="ADAL" clId="{E943E5C1-95CE-486C-92D7-129C80AE65D4}" dt="2024-06-17T16:04:25.964" v="2146" actId="1076"/>
+          <ac:picMkLst>
+            <pc:docMk/>
+            <pc:sldMk cId="2807341057" sldId="290"/>
+            <ac:picMk id="3" creationId="{E099D95C-D0EE-C4B8-077D-14ABC6FA48A6}"/>
+          </ac:picMkLst>
+        </pc:picChg>
+        <pc:picChg chg="add mod">
+          <ac:chgData name="Anxo Casal Rodriguez" userId="4252bde8-bc8f-41dd-83f3-a4e65c95fbdf" providerId="ADAL" clId="{E943E5C1-95CE-486C-92D7-129C80AE65D4}" dt="2024-06-18T10:02:58.617" v="3862"/>
+          <ac:picMkLst>
+            <pc:docMk/>
+            <pc:sldMk cId="2807341057" sldId="290"/>
+            <ac:picMk id="4" creationId="{C481B5BD-CEBD-C2C9-4217-AF2703722E78}"/>
+          </ac:picMkLst>
+        </pc:picChg>
+        <pc:picChg chg="mod">
+          <ac:chgData name="Anxo Casal Rodriguez" userId="4252bde8-bc8f-41dd-83f3-a4e65c95fbdf" providerId="ADAL" clId="{E943E5C1-95CE-486C-92D7-129C80AE65D4}" dt="2024-06-18T10:02:54.743" v="3860" actId="1076"/>
+          <ac:picMkLst>
+            <pc:docMk/>
+            <pc:sldMk cId="2807341057" sldId="290"/>
+            <ac:picMk id="27" creationId="{C43BA73B-8783-3717-E807-60F4B332CE74}"/>
+          </ac:picMkLst>
+        </pc:picChg>
+        <pc:picChg chg="add del mod">
+          <ac:chgData name="Anxo Casal Rodriguez" userId="4252bde8-bc8f-41dd-83f3-a4e65c95fbdf" providerId="ADAL" clId="{E943E5C1-95CE-486C-92D7-129C80AE65D4}" dt="2024-06-18T10:03:07.547" v="3865" actId="1076"/>
+          <ac:picMkLst>
+            <pc:docMk/>
+            <pc:sldMk cId="2807341057" sldId="290"/>
+            <ac:picMk id="28" creationId="{0A134D86-EF75-4519-2C7B-BB9568BA260A}"/>
+          </ac:picMkLst>
+        </pc:picChg>
+        <pc:picChg chg="mod">
+          <ac:chgData name="Anxo Casal Rodriguez" userId="4252bde8-bc8f-41dd-83f3-a4e65c95fbdf" providerId="ADAL" clId="{E943E5C1-95CE-486C-92D7-129C80AE65D4}" dt="2024-06-18T10:03:11.596" v="3867" actId="1076"/>
+          <ac:picMkLst>
+            <pc:docMk/>
+            <pc:sldMk cId="2807341057" sldId="290"/>
+            <ac:picMk id="29" creationId="{9FFFFA1C-A583-56CB-E05A-7D7F1D07569B}"/>
           </ac:picMkLst>
         </pc:picChg>
       </pc:sldChg>
@@ -28474,8 +28514,8 @@
         </p:blipFill>
         <p:spPr>
           <a:xfrm>
-            <a:off x="1492617" y="4175579"/>
-            <a:ext cx="728267" cy="728267"/>
+            <a:off x="1589227" y="4270279"/>
+            <a:ext cx="535046" cy="535046"/>
           </a:xfrm>
           <a:prstGeom prst="rect">
             <a:avLst/>
@@ -28505,8 +28545,8 @@
         </p:blipFill>
         <p:spPr>
           <a:xfrm>
-            <a:off x="4207866" y="4212961"/>
-            <a:ext cx="728267" cy="728267"/>
+            <a:off x="4304477" y="4270279"/>
+            <a:ext cx="535046" cy="535046"/>
           </a:xfrm>
           <a:prstGeom prst="rect">
             <a:avLst/>
@@ -28536,8 +28576,39 @@
         </p:blipFill>
         <p:spPr>
           <a:xfrm>
-            <a:off x="6923115" y="4175579"/>
-            <a:ext cx="728267" cy="728267"/>
+            <a:off x="7019727" y="4270279"/>
+            <a:ext cx="535046" cy="535046"/>
+          </a:xfrm>
+          <a:prstGeom prst="rect">
+            <a:avLst/>
+          </a:prstGeom>
+        </p:spPr>
+      </p:pic>
+      <p:pic>
+        <p:nvPicPr>
+          <p:cNvPr id="3" name="Imagen 2" descr="Forma&#10;&#10;Descripción generada automáticamente con confianza baja">
+            <a:hlinkClick r:id="rId10"/>
+            <a:extLst>
+              <a:ext uri="{FF2B5EF4-FFF2-40B4-BE49-F238E27FC236}">
+                <a16:creationId xmlns:a16="http://schemas.microsoft.com/office/drawing/2014/main" id="{8C07F72A-415C-66A1-2DB0-66448CF0C138}"/>
+              </a:ext>
+            </a:extLst>
+          </p:cNvPr>
+          <p:cNvPicPr>
+            <a:picLocks noChangeAspect="1"/>
+          </p:cNvPicPr>
+          <p:nvPr/>
+        </p:nvPicPr>
+        <p:blipFill>
+          <a:blip r:embed="rId11"/>
+          <a:stretch>
+            <a:fillRect/>
+          </a:stretch>
+        </p:blipFill>
+        <p:spPr>
+          <a:xfrm>
+            <a:off x="1856750" y="239654"/>
+            <a:ext cx="644019" cy="644019"/>
           </a:xfrm>
           <a:prstGeom prst="rect">
             <a:avLst/>
